--- a/Français/5.DAX/0.Les measures and les colonnes calculées.pptx
+++ b/Français/5.DAX/0.Les measures and les colonnes calculées.pptx
@@ -5,7 +5,7 @@
     <p:sldMasterId id="2147483648" r:id="rId1"/>
   </p:sldMasterIdLst>
   <p:notesMasterIdLst>
-    <p:notesMasterId r:id="rId9"/>
+    <p:notesMasterId r:id="rId12"/>
   </p:notesMasterIdLst>
   <p:sldIdLst>
     <p:sldId id="256" r:id="rId2"/>
@@ -13,8 +13,11 @@
     <p:sldId id="257" r:id="rId4"/>
     <p:sldId id="263" r:id="rId5"/>
     <p:sldId id="259" r:id="rId6"/>
-    <p:sldId id="260" r:id="rId7"/>
-    <p:sldId id="258" r:id="rId8"/>
+    <p:sldId id="264" r:id="rId7"/>
+    <p:sldId id="260" r:id="rId8"/>
+    <p:sldId id="265" r:id="rId9"/>
+    <p:sldId id="266" r:id="rId10"/>
+    <p:sldId id="258" r:id="rId11"/>
   </p:sldIdLst>
   <p:sldSz cx="12192000" cy="6858000"/>
   <p:notesSz cx="6858000" cy="9144000"/>
@@ -203,7 +206,7 @@
           <a:p>
             <a:fld id="{056BA3B8-9F76-4D81-B71D-76CB85363062}" type="datetimeFigureOut">
               <a:rPr lang="en-US" smtClean="0"/>
-              <a:t>2/26/2025</a:t>
+              <a:t>3/6/2025</a:t>
             </a:fld>
             <a:endParaRPr lang="en-US"/>
           </a:p>
@@ -657,7 +660,259 @@
     </p:spTree>
     <p:extLst>
       <p:ext uri="{BB962C8B-B14F-4D97-AF65-F5344CB8AC3E}">
+        <p14:creationId xmlns:p14="http://schemas.microsoft.com/office/powerpoint/2010/main" val="1907328578"/>
+      </p:ext>
+    </p:extLst>
+  </p:cSld>
+  <p:clrMapOvr>
+    <a:masterClrMapping/>
+  </p:clrMapOvr>
+</p:notes>
+</file>
+
+<file path=ppt/notesSlides/notesSlide3.xml><?xml version="1.0" encoding="utf-8"?>
+<p:notes xmlns:a="http://schemas.openxmlformats.org/drawingml/2006/main" xmlns:r="http://schemas.openxmlformats.org/officeDocument/2006/relationships" xmlns:p="http://schemas.openxmlformats.org/presentationml/2006/main">
+  <p:cSld>
+    <p:spTree>
+      <p:nvGrpSpPr>
+        <p:cNvPr id="1" name=""/>
+        <p:cNvGrpSpPr/>
+        <p:nvPr/>
+      </p:nvGrpSpPr>
+      <p:grpSpPr>
+        <a:xfrm>
+          <a:off x="0" y="0"/>
+          <a:ext cx="0" cy="0"/>
+          <a:chOff x="0" y="0"/>
+          <a:chExt cx="0" cy="0"/>
+        </a:xfrm>
+      </p:grpSpPr>
+      <p:sp>
+        <p:nvSpPr>
+          <p:cNvPr id="2" name="Slide Image Placeholder 1"/>
+          <p:cNvSpPr>
+            <a:spLocks noGrp="1" noRot="1" noChangeAspect="1"/>
+          </p:cNvSpPr>
+          <p:nvPr>
+            <p:ph type="sldImg"/>
+          </p:nvPr>
+        </p:nvSpPr>
+        <p:spPr/>
+      </p:sp>
+      <p:sp>
+        <p:nvSpPr>
+          <p:cNvPr id="3" name="Notes Placeholder 2"/>
+          <p:cNvSpPr>
+            <a:spLocks noGrp="1"/>
+          </p:cNvSpPr>
+          <p:nvPr>
+            <p:ph type="body" idx="1"/>
+          </p:nvPr>
+        </p:nvSpPr>
+        <p:spPr/>
+        <p:txBody>
+          <a:bodyPr/>
+          <a:lstStyle/>
+          <a:p>
+            <a:endParaRPr lang="en-US" dirty="0"/>
+          </a:p>
+        </p:txBody>
+      </p:sp>
+      <p:sp>
+        <p:nvSpPr>
+          <p:cNvPr id="4" name="Slide Number Placeholder 3"/>
+          <p:cNvSpPr>
+            <a:spLocks noGrp="1"/>
+          </p:cNvSpPr>
+          <p:nvPr>
+            <p:ph type="sldNum" sz="quarter" idx="10"/>
+          </p:nvPr>
+        </p:nvSpPr>
+        <p:spPr/>
+        <p:txBody>
+          <a:bodyPr/>
+          <a:lstStyle/>
+          <a:p>
+            <a:fld id="{C583D03D-12F8-4E91-BBC2-CE3A863157FF}" type="slidenum">
+              <a:rPr lang="en-US" smtClean="0"/>
+              <a:t>7</a:t>
+            </a:fld>
+            <a:endParaRPr lang="en-US"/>
+          </a:p>
+        </p:txBody>
+      </p:sp>
+    </p:spTree>
+    <p:extLst>
+      <p:ext uri="{BB962C8B-B14F-4D97-AF65-F5344CB8AC3E}">
         <p14:creationId xmlns:p14="http://schemas.microsoft.com/office/powerpoint/2010/main" val="2178851391"/>
+      </p:ext>
+    </p:extLst>
+  </p:cSld>
+  <p:clrMapOvr>
+    <a:masterClrMapping/>
+  </p:clrMapOvr>
+</p:notes>
+</file>
+
+<file path=ppt/notesSlides/notesSlide4.xml><?xml version="1.0" encoding="utf-8"?>
+<p:notes xmlns:a="http://schemas.openxmlformats.org/drawingml/2006/main" xmlns:r="http://schemas.openxmlformats.org/officeDocument/2006/relationships" xmlns:p="http://schemas.openxmlformats.org/presentationml/2006/main">
+  <p:cSld>
+    <p:spTree>
+      <p:nvGrpSpPr>
+        <p:cNvPr id="1" name=""/>
+        <p:cNvGrpSpPr/>
+        <p:nvPr/>
+      </p:nvGrpSpPr>
+      <p:grpSpPr>
+        <a:xfrm>
+          <a:off x="0" y="0"/>
+          <a:ext cx="0" cy="0"/>
+          <a:chOff x="0" y="0"/>
+          <a:chExt cx="0" cy="0"/>
+        </a:xfrm>
+      </p:grpSpPr>
+      <p:sp>
+        <p:nvSpPr>
+          <p:cNvPr id="2" name="Slide Image Placeholder 1"/>
+          <p:cNvSpPr>
+            <a:spLocks noGrp="1" noRot="1" noChangeAspect="1"/>
+          </p:cNvSpPr>
+          <p:nvPr>
+            <p:ph type="sldImg"/>
+          </p:nvPr>
+        </p:nvSpPr>
+        <p:spPr/>
+      </p:sp>
+      <p:sp>
+        <p:nvSpPr>
+          <p:cNvPr id="3" name="Notes Placeholder 2"/>
+          <p:cNvSpPr>
+            <a:spLocks noGrp="1"/>
+          </p:cNvSpPr>
+          <p:nvPr>
+            <p:ph type="body" idx="1"/>
+          </p:nvPr>
+        </p:nvSpPr>
+        <p:spPr/>
+        <p:txBody>
+          <a:bodyPr/>
+          <a:lstStyle/>
+          <a:p>
+            <a:endParaRPr lang="en-US" dirty="0"/>
+          </a:p>
+        </p:txBody>
+      </p:sp>
+      <p:sp>
+        <p:nvSpPr>
+          <p:cNvPr id="4" name="Slide Number Placeholder 3"/>
+          <p:cNvSpPr>
+            <a:spLocks noGrp="1"/>
+          </p:cNvSpPr>
+          <p:nvPr>
+            <p:ph type="sldNum" sz="quarter" idx="10"/>
+          </p:nvPr>
+        </p:nvSpPr>
+        <p:spPr/>
+        <p:txBody>
+          <a:bodyPr/>
+          <a:lstStyle/>
+          <a:p>
+            <a:fld id="{C583D03D-12F8-4E91-BBC2-CE3A863157FF}" type="slidenum">
+              <a:rPr lang="en-US" smtClean="0"/>
+              <a:t>8</a:t>
+            </a:fld>
+            <a:endParaRPr lang="en-US"/>
+          </a:p>
+        </p:txBody>
+      </p:sp>
+    </p:spTree>
+    <p:extLst>
+      <p:ext uri="{BB962C8B-B14F-4D97-AF65-F5344CB8AC3E}">
+        <p14:creationId xmlns:p14="http://schemas.microsoft.com/office/powerpoint/2010/main" val="1501397802"/>
+      </p:ext>
+    </p:extLst>
+  </p:cSld>
+  <p:clrMapOvr>
+    <a:masterClrMapping/>
+  </p:clrMapOvr>
+</p:notes>
+</file>
+
+<file path=ppt/notesSlides/notesSlide5.xml><?xml version="1.0" encoding="utf-8"?>
+<p:notes xmlns:a="http://schemas.openxmlformats.org/drawingml/2006/main" xmlns:r="http://schemas.openxmlformats.org/officeDocument/2006/relationships" xmlns:p="http://schemas.openxmlformats.org/presentationml/2006/main">
+  <p:cSld>
+    <p:spTree>
+      <p:nvGrpSpPr>
+        <p:cNvPr id="1" name=""/>
+        <p:cNvGrpSpPr/>
+        <p:nvPr/>
+      </p:nvGrpSpPr>
+      <p:grpSpPr>
+        <a:xfrm>
+          <a:off x="0" y="0"/>
+          <a:ext cx="0" cy="0"/>
+          <a:chOff x="0" y="0"/>
+          <a:chExt cx="0" cy="0"/>
+        </a:xfrm>
+      </p:grpSpPr>
+      <p:sp>
+        <p:nvSpPr>
+          <p:cNvPr id="2" name="Slide Image Placeholder 1"/>
+          <p:cNvSpPr>
+            <a:spLocks noGrp="1" noRot="1" noChangeAspect="1"/>
+          </p:cNvSpPr>
+          <p:nvPr>
+            <p:ph type="sldImg"/>
+          </p:nvPr>
+        </p:nvSpPr>
+        <p:spPr/>
+      </p:sp>
+      <p:sp>
+        <p:nvSpPr>
+          <p:cNvPr id="3" name="Notes Placeholder 2"/>
+          <p:cNvSpPr>
+            <a:spLocks noGrp="1"/>
+          </p:cNvSpPr>
+          <p:nvPr>
+            <p:ph type="body" idx="1"/>
+          </p:nvPr>
+        </p:nvSpPr>
+        <p:spPr/>
+        <p:txBody>
+          <a:bodyPr/>
+          <a:lstStyle/>
+          <a:p>
+            <a:endParaRPr lang="en-US" dirty="0"/>
+          </a:p>
+        </p:txBody>
+      </p:sp>
+      <p:sp>
+        <p:nvSpPr>
+          <p:cNvPr id="4" name="Slide Number Placeholder 3"/>
+          <p:cNvSpPr>
+            <a:spLocks noGrp="1"/>
+          </p:cNvSpPr>
+          <p:nvPr>
+            <p:ph type="sldNum" sz="quarter" idx="10"/>
+          </p:nvPr>
+        </p:nvSpPr>
+        <p:spPr/>
+        <p:txBody>
+          <a:bodyPr/>
+          <a:lstStyle/>
+          <a:p>
+            <a:fld id="{C583D03D-12F8-4E91-BBC2-CE3A863157FF}" type="slidenum">
+              <a:rPr lang="en-US" smtClean="0"/>
+              <a:t>9</a:t>
+            </a:fld>
+            <a:endParaRPr lang="en-US"/>
+          </a:p>
+        </p:txBody>
+      </p:sp>
+    </p:spTree>
+    <p:extLst>
+      <p:ext uri="{BB962C8B-B14F-4D97-AF65-F5344CB8AC3E}">
+        <p14:creationId xmlns:p14="http://schemas.microsoft.com/office/powerpoint/2010/main" val="3239169920"/>
       </p:ext>
     </p:extLst>
   </p:cSld>
@@ -798,7 +1053,7 @@
           <a:p>
             <a:fld id="{6F01DA4D-20EA-48D2-973C-0311EC3005D6}" type="datetimeFigureOut">
               <a:rPr lang="en-US" smtClean="0"/>
-              <a:t>2/26/2025</a:t>
+              <a:t>3/6/2025</a:t>
             </a:fld>
             <a:endParaRPr lang="en-US"/>
           </a:p>
@@ -968,7 +1223,7 @@
           <a:p>
             <a:fld id="{6F01DA4D-20EA-48D2-973C-0311EC3005D6}" type="datetimeFigureOut">
               <a:rPr lang="en-US" smtClean="0"/>
-              <a:t>2/26/2025</a:t>
+              <a:t>3/6/2025</a:t>
             </a:fld>
             <a:endParaRPr lang="en-US"/>
           </a:p>
@@ -1148,7 +1403,7 @@
           <a:p>
             <a:fld id="{6F01DA4D-20EA-48D2-973C-0311EC3005D6}" type="datetimeFigureOut">
               <a:rPr lang="en-US" smtClean="0"/>
-              <a:t>2/26/2025</a:t>
+              <a:t>3/6/2025</a:t>
             </a:fld>
             <a:endParaRPr lang="en-US"/>
           </a:p>
@@ -1318,7 +1573,7 @@
           <a:p>
             <a:fld id="{6F01DA4D-20EA-48D2-973C-0311EC3005D6}" type="datetimeFigureOut">
               <a:rPr lang="en-US" smtClean="0"/>
-              <a:t>2/26/2025</a:t>
+              <a:t>3/6/2025</a:t>
             </a:fld>
             <a:endParaRPr lang="en-US"/>
           </a:p>
@@ -1564,7 +1819,7 @@
           <a:p>
             <a:fld id="{6F01DA4D-20EA-48D2-973C-0311EC3005D6}" type="datetimeFigureOut">
               <a:rPr lang="en-US" smtClean="0"/>
-              <a:t>2/26/2025</a:t>
+              <a:t>3/6/2025</a:t>
             </a:fld>
             <a:endParaRPr lang="en-US"/>
           </a:p>
@@ -1796,7 +2051,7 @@
           <a:p>
             <a:fld id="{6F01DA4D-20EA-48D2-973C-0311EC3005D6}" type="datetimeFigureOut">
               <a:rPr lang="en-US" smtClean="0"/>
-              <a:t>2/26/2025</a:t>
+              <a:t>3/6/2025</a:t>
             </a:fld>
             <a:endParaRPr lang="en-US"/>
           </a:p>
@@ -2163,7 +2418,7 @@
           <a:p>
             <a:fld id="{6F01DA4D-20EA-48D2-973C-0311EC3005D6}" type="datetimeFigureOut">
               <a:rPr lang="en-US" smtClean="0"/>
-              <a:t>2/26/2025</a:t>
+              <a:t>3/6/2025</a:t>
             </a:fld>
             <a:endParaRPr lang="en-US"/>
           </a:p>
@@ -2281,7 +2536,7 @@
           <a:p>
             <a:fld id="{6F01DA4D-20EA-48D2-973C-0311EC3005D6}" type="datetimeFigureOut">
               <a:rPr lang="en-US" smtClean="0"/>
-              <a:t>2/26/2025</a:t>
+              <a:t>3/6/2025</a:t>
             </a:fld>
             <a:endParaRPr lang="en-US"/>
           </a:p>
@@ -2376,7 +2631,7 @@
           <a:p>
             <a:fld id="{6F01DA4D-20EA-48D2-973C-0311EC3005D6}" type="datetimeFigureOut">
               <a:rPr lang="en-US" smtClean="0"/>
-              <a:t>2/26/2025</a:t>
+              <a:t>3/6/2025</a:t>
             </a:fld>
             <a:endParaRPr lang="en-US"/>
           </a:p>
@@ -2653,7 +2908,7 @@
           <a:p>
             <a:fld id="{6F01DA4D-20EA-48D2-973C-0311EC3005D6}" type="datetimeFigureOut">
               <a:rPr lang="en-US" smtClean="0"/>
-              <a:t>2/26/2025</a:t>
+              <a:t>3/6/2025</a:t>
             </a:fld>
             <a:endParaRPr lang="en-US"/>
           </a:p>
@@ -2906,7 +3161,7 @@
           <a:p>
             <a:fld id="{6F01DA4D-20EA-48D2-973C-0311EC3005D6}" type="datetimeFigureOut">
               <a:rPr lang="en-US" smtClean="0"/>
-              <a:t>2/26/2025</a:t>
+              <a:t>3/6/2025</a:t>
             </a:fld>
             <a:endParaRPr lang="en-US"/>
           </a:p>
@@ -3119,7 +3374,7 @@
           <a:p>
             <a:fld id="{6F01DA4D-20EA-48D2-973C-0311EC3005D6}" type="datetimeFigureOut">
               <a:rPr lang="en-US" smtClean="0"/>
-              <a:t>2/26/2025</a:t>
+              <a:t>3/6/2025</a:t>
             </a:fld>
             <a:endParaRPr lang="en-US"/>
           </a:p>
@@ -3564,18 +3819,7 @@
                 <a:ea typeface="Verdana" panose="020B0604030504040204" pitchFamily="34" charset="0"/>
                 <a:cs typeface="Segoe UI" panose="020B0502040204020203" pitchFamily="34" charset="0"/>
               </a:rPr>
-              <a:t>Les </a:t>
-            </a:r>
-            <a:r>
-              <a:rPr lang="en-US" sz="7200" b="1" dirty="0" smtClean="0">
-                <a:solidFill>
-                  <a:srgbClr val="7030A0"/>
-                </a:solidFill>
-                <a:latin typeface="Segoe UI" panose="020B0502040204020203" pitchFamily="34" charset="0"/>
-                <a:ea typeface="Verdana" panose="020B0604030504040204" pitchFamily="34" charset="0"/>
-                <a:cs typeface="Segoe UI" panose="020B0502040204020203" pitchFamily="34" charset="0"/>
-              </a:rPr>
-              <a:t>measures et les </a:t>
+              <a:t>Les measures et les </a:t>
             </a:r>
             <a:r>
               <a:rPr lang="en-US" sz="7200" b="1" dirty="0" err="1" smtClean="0">
@@ -3653,18 +3897,7 @@
                 <a:ea typeface="Verdana" panose="020B0604030504040204" pitchFamily="34" charset="0"/>
                 <a:cs typeface="Segoe UI" panose="020B0502040204020203" pitchFamily="34" charset="0"/>
               </a:rPr>
-              <a:t>Les </a:t>
-            </a:r>
-            <a:r>
-              <a:rPr lang="en-US" sz="7200" b="1" dirty="0" smtClean="0">
-                <a:solidFill>
-                  <a:schemeClr val="bg1"/>
-                </a:solidFill>
-                <a:latin typeface="Segoe UI" panose="020B0502040204020203" pitchFamily="34" charset="0"/>
-                <a:ea typeface="Verdana" panose="020B0604030504040204" pitchFamily="34" charset="0"/>
-                <a:cs typeface="Segoe UI" panose="020B0502040204020203" pitchFamily="34" charset="0"/>
-              </a:rPr>
-              <a:t>measures et les </a:t>
+              <a:t>Les measures et les </a:t>
             </a:r>
             <a:r>
               <a:rPr lang="en-US" sz="7200" b="1" dirty="0" err="1" smtClean="0">
@@ -3714,6 +3947,171 @@
     <p:extLst>
       <p:ext uri="{BB962C8B-B14F-4D97-AF65-F5344CB8AC3E}">
         <p14:creationId xmlns:p14="http://schemas.microsoft.com/office/powerpoint/2010/main" val="4216734246"/>
+      </p:ext>
+    </p:extLst>
+  </p:cSld>
+  <p:clrMapOvr>
+    <a:masterClrMapping/>
+  </p:clrMapOvr>
+</p:sld>
+</file>
+
+<file path=ppt/slides/slide10.xml><?xml version="1.0" encoding="utf-8"?>
+<p:sld xmlns:a="http://schemas.openxmlformats.org/drawingml/2006/main" xmlns:r="http://schemas.openxmlformats.org/officeDocument/2006/relationships" xmlns:p="http://schemas.openxmlformats.org/presentationml/2006/main">
+  <p:cSld>
+    <p:bg>
+      <p:bgPr>
+        <a:solidFill>
+          <a:srgbClr val="FFC000"/>
+        </a:solidFill>
+        <a:effectLst/>
+      </p:bgPr>
+    </p:bg>
+    <p:spTree>
+      <p:nvGrpSpPr>
+        <p:cNvPr id="1" name=""/>
+        <p:cNvGrpSpPr/>
+        <p:nvPr/>
+      </p:nvGrpSpPr>
+      <p:grpSpPr>
+        <a:xfrm>
+          <a:off x="0" y="0"/>
+          <a:ext cx="0" cy="0"/>
+          <a:chOff x="0" y="0"/>
+          <a:chExt cx="0" cy="0"/>
+        </a:xfrm>
+      </p:grpSpPr>
+      <p:sp>
+        <p:nvSpPr>
+          <p:cNvPr id="2" name="AutoShape 2" descr="Minimalistic illustration in black and white on a white background with the text 'Thank You' elegantly styled below. The design features simple, clean icons such as a handshake or a ribbon to symbolize gratitude, with a professional and modern aesthetic suitable for a presentation closing slide."/>
+          <p:cNvSpPr>
+            <a:spLocks noChangeAspect="1" noChangeArrowheads="1"/>
+          </p:cNvSpPr>
+          <p:nvPr/>
+        </p:nvSpPr>
+        <p:spPr bwMode="auto">
+          <a:xfrm>
+            <a:off x="155575" y="-144463"/>
+            <a:ext cx="304800" cy="304801"/>
+          </a:xfrm>
+          <a:prstGeom prst="rect">
+            <a:avLst/>
+          </a:prstGeom>
+          <a:noFill/>
+          <a:extLst>
+            <a:ext uri="{909E8E84-426E-40DD-AFC4-6F175D3DCCD1}">
+              <a14:hiddenFill xmlns:a14="http://schemas.microsoft.com/office/drawing/2010/main">
+                <a:solidFill>
+                  <a:srgbClr val="FFFFFF"/>
+                </a:solidFill>
+              </a14:hiddenFill>
+            </a:ext>
+          </a:extLst>
+        </p:spPr>
+        <p:txBody>
+          <a:bodyPr vert="horz" wrap="square" lIns="91440" tIns="45720" rIns="91440" bIns="45720" numCol="1" anchor="t" anchorCtr="0" compatLnSpc="1">
+            <a:prstTxWarp prst="textNoShape">
+              <a:avLst/>
+            </a:prstTxWarp>
+          </a:bodyPr>
+          <a:lstStyle/>
+          <a:p>
+            <a:endParaRPr lang="en-US"/>
+          </a:p>
+        </p:txBody>
+      </p:sp>
+      <p:sp>
+        <p:nvSpPr>
+          <p:cNvPr id="5" name="TextBox 4"/>
+          <p:cNvSpPr txBox="1"/>
+          <p:nvPr/>
+        </p:nvSpPr>
+        <p:spPr>
+          <a:xfrm>
+            <a:off x="4339362" y="2526818"/>
+            <a:ext cx="3456395" cy="1569660"/>
+          </a:xfrm>
+          <a:prstGeom prst="rect">
+            <a:avLst/>
+          </a:prstGeom>
+          <a:noFill/>
+        </p:spPr>
+        <p:txBody>
+          <a:bodyPr wrap="none" rtlCol="0">
+            <a:spAutoFit/>
+          </a:bodyPr>
+          <a:lstStyle/>
+          <a:p>
+            <a:r>
+              <a:rPr lang="fr-FR" sz="9600" b="1" dirty="0" smtClean="0">
+                <a:solidFill>
+                  <a:srgbClr val="7030A0"/>
+                </a:solidFill>
+                <a:latin typeface="Segoe UI" panose="020B0502040204020203" pitchFamily="34" charset="0"/>
+                <a:ea typeface="Verdana" panose="020B0604030504040204" pitchFamily="34" charset="0"/>
+                <a:cs typeface="Segoe UI" panose="020B0502040204020203" pitchFamily="34" charset="0"/>
+              </a:rPr>
+              <a:t>Merci</a:t>
+            </a:r>
+            <a:endParaRPr lang="en-US" sz="9600" b="1" dirty="0">
+              <a:solidFill>
+                <a:srgbClr val="7030A0"/>
+              </a:solidFill>
+              <a:latin typeface="Segoe UI" panose="020B0502040204020203" pitchFamily="34" charset="0"/>
+              <a:ea typeface="Verdana" panose="020B0604030504040204" pitchFamily="34" charset="0"/>
+              <a:cs typeface="Segoe UI" panose="020B0502040204020203" pitchFamily="34" charset="0"/>
+            </a:endParaRPr>
+          </a:p>
+        </p:txBody>
+      </p:sp>
+      <p:sp>
+        <p:nvSpPr>
+          <p:cNvPr id="6" name="TextBox 5"/>
+          <p:cNvSpPr txBox="1"/>
+          <p:nvPr/>
+        </p:nvSpPr>
+        <p:spPr>
+          <a:xfrm>
+            <a:off x="4284361" y="2444742"/>
+            <a:ext cx="3456395" cy="1569660"/>
+          </a:xfrm>
+          <a:prstGeom prst="rect">
+            <a:avLst/>
+          </a:prstGeom>
+          <a:noFill/>
+        </p:spPr>
+        <p:txBody>
+          <a:bodyPr wrap="none" rtlCol="0">
+            <a:spAutoFit/>
+          </a:bodyPr>
+          <a:lstStyle/>
+          <a:p>
+            <a:r>
+              <a:rPr lang="fr-FR" sz="9600" b="1" dirty="0" smtClean="0">
+                <a:solidFill>
+                  <a:schemeClr val="bg1"/>
+                </a:solidFill>
+                <a:latin typeface="Segoe UI" panose="020B0502040204020203" pitchFamily="34" charset="0"/>
+                <a:ea typeface="Verdana" panose="020B0604030504040204" pitchFamily="34" charset="0"/>
+                <a:cs typeface="Segoe UI" panose="020B0502040204020203" pitchFamily="34" charset="0"/>
+              </a:rPr>
+              <a:t>Merci</a:t>
+            </a:r>
+            <a:endParaRPr lang="en-US" sz="9600" b="1" dirty="0">
+              <a:solidFill>
+                <a:schemeClr val="bg1"/>
+              </a:solidFill>
+              <a:latin typeface="Segoe UI" panose="020B0502040204020203" pitchFamily="34" charset="0"/>
+              <a:ea typeface="Verdana" panose="020B0604030504040204" pitchFamily="34" charset="0"/>
+              <a:cs typeface="Segoe UI" panose="020B0502040204020203" pitchFamily="34" charset="0"/>
+            </a:endParaRPr>
+          </a:p>
+        </p:txBody>
+      </p:sp>
+    </p:spTree>
+    <p:extLst>
+      <p:ext uri="{BB962C8B-B14F-4D97-AF65-F5344CB8AC3E}">
+        <p14:creationId xmlns:p14="http://schemas.microsoft.com/office/powerpoint/2010/main" val="3494127604"/>
       </p:ext>
     </p:extLst>
   </p:cSld>
@@ -3749,7 +4147,7 @@
         <p:spPr>
           <a:xfrm>
             <a:off x="237325" y="174503"/>
-            <a:ext cx="4361259" cy="461665"/>
+            <a:ext cx="4590103" cy="461665"/>
           </a:xfrm>
           <a:prstGeom prst="rect">
             <a:avLst/>
@@ -3763,41 +4161,41 @@
           <a:lstStyle/>
           <a:p>
             <a:r>
-              <a:rPr lang="en-US" sz="2400" dirty="0" err="1" smtClean="0">
+              <a:rPr lang="en-US" sz="2400" b="1" dirty="0" err="1" smtClean="0">
                 <a:latin typeface="Segoe UI" panose="020B0502040204020203" pitchFamily="34" charset="0"/>
                 <a:cs typeface="Segoe UI" panose="020B0502040204020203" pitchFamily="34" charset="0"/>
               </a:rPr>
               <a:t>Mesures</a:t>
             </a:r>
             <a:r>
-              <a:rPr lang="en-US" sz="2400" dirty="0" smtClean="0">
+              <a:rPr lang="en-US" sz="2400" b="1" dirty="0" smtClean="0">
                 <a:latin typeface="Segoe UI" panose="020B0502040204020203" pitchFamily="34" charset="0"/>
                 <a:cs typeface="Segoe UI" panose="020B0502040204020203" pitchFamily="34" charset="0"/>
               </a:rPr>
               <a:t> et </a:t>
             </a:r>
             <a:r>
-              <a:rPr lang="en-US" sz="2400" dirty="0" err="1" smtClean="0">
+              <a:rPr lang="en-US" sz="2400" b="1" dirty="0" err="1" smtClean="0">
                 <a:latin typeface="Segoe UI" panose="020B0502040204020203" pitchFamily="34" charset="0"/>
                 <a:cs typeface="Segoe UI" panose="020B0502040204020203" pitchFamily="34" charset="0"/>
               </a:rPr>
               <a:t>colonnes</a:t>
             </a:r>
             <a:r>
-              <a:rPr lang="en-US" sz="2400" dirty="0" smtClean="0">
+              <a:rPr lang="en-US" sz="2400" b="1" dirty="0" smtClean="0">
                 <a:latin typeface="Segoe UI" panose="020B0502040204020203" pitchFamily="34" charset="0"/>
                 <a:cs typeface="Segoe UI" panose="020B0502040204020203" pitchFamily="34" charset="0"/>
               </a:rPr>
               <a:t>  </a:t>
             </a:r>
             <a:r>
-              <a:rPr lang="en-US" sz="2400" dirty="0" err="1" smtClean="0">
+              <a:rPr lang="en-US" sz="2400" b="1" dirty="0" err="1" smtClean="0">
                 <a:latin typeface="Segoe UI" panose="020B0502040204020203" pitchFamily="34" charset="0"/>
                 <a:cs typeface="Segoe UI" panose="020B0502040204020203" pitchFamily="34" charset="0"/>
               </a:rPr>
               <a:t>calculées</a:t>
             </a:r>
-            <a:endParaRPr lang="en-US" sz="2400" dirty="0">
+            <a:endParaRPr lang="en-US" sz="2400" b="1" dirty="0">
               <a:latin typeface="Segoe UI" panose="020B0502040204020203" pitchFamily="34" charset="0"/>
               <a:cs typeface="Segoe UI" panose="020B0502040204020203" pitchFamily="34" charset="0"/>
             </a:endParaRPr>
@@ -3820,7 +4218,7 @@
         </p:blipFill>
         <p:spPr>
           <a:xfrm>
-            <a:off x="533724" y="1738191"/>
+            <a:off x="870608" y="2481943"/>
             <a:ext cx="2534004" cy="1924319"/>
           </a:xfrm>
           <a:prstGeom prst="rect">
@@ -3854,8 +4252,8 @@
         </p:blipFill>
         <p:spPr>
           <a:xfrm>
-            <a:off x="3669632" y="1738191"/>
-            <a:ext cx="4216351" cy="4758862"/>
+            <a:off x="4301095" y="2481943"/>
+            <a:ext cx="3557387" cy="4015110"/>
           </a:xfrm>
           <a:prstGeom prst="rect">
             <a:avLst/>
@@ -3898,24 +4296,52 @@
               <a:t>Note : </a:t>
             </a:r>
             <a:r>
+              <a:rPr lang="fr-FR" sz="2000" dirty="0" smtClean="0"/>
+              <a:t>Cet atelier utilise </a:t>
+            </a:r>
+            <a:r>
               <a:rPr lang="fr-FR" sz="2000" dirty="0"/>
-              <a:t>Cette démo utilise la table </a:t>
+              <a:t>la table </a:t>
+            </a:r>
+            <a:r>
+              <a:rPr lang="fr-FR" sz="2000" b="1" dirty="0" smtClean="0"/>
+              <a:t>FactSales032025.csv</a:t>
+            </a:r>
+            <a:r>
+              <a:rPr lang="fr-FR" sz="2000" dirty="0" smtClean="0"/>
+              <a:t> et </a:t>
+            </a:r>
+            <a:r>
+              <a:rPr lang="fr-FR" sz="2000" b="1" dirty="0" smtClean="0"/>
+              <a:t>DimDate</a:t>
+            </a:r>
+            <a:r>
+              <a:rPr lang="fr-FR" sz="2000" b="1" dirty="0" smtClean="0"/>
+              <a:t>.csv</a:t>
+            </a:r>
+            <a:r>
+              <a:rPr lang="fr-FR" sz="2000" dirty="0" smtClean="0"/>
+              <a:t> de </a:t>
+            </a:r>
+            <a:r>
+              <a:rPr lang="fr-FR" sz="2000" b="1" dirty="0" err="1" smtClean="0"/>
+              <a:t>resources</a:t>
             </a:r>
             <a:r>
               <a:rPr lang="fr-FR" sz="2000" b="1" dirty="0"/>
-              <a:t>FactSales</a:t>
+              <a:t>\</a:t>
+            </a:r>
+            <a:r>
+              <a:rPr lang="fr-FR" sz="2000" b="1" dirty="0" err="1" smtClean="0"/>
+              <a:t>CSVSources</a:t>
+            </a:r>
+            <a:r>
+              <a:rPr lang="fr-FR" sz="2000" dirty="0" smtClean="0"/>
+              <a:t> </a:t>
             </a:r>
             <a:r>
               <a:rPr lang="fr-FR" sz="2000" dirty="0"/>
-              <a:t> de la base de données </a:t>
-            </a:r>
-            <a:r>
-              <a:rPr lang="fr-FR" sz="2000" b="1" dirty="0"/>
-              <a:t>Sales</a:t>
-            </a:r>
-            <a:r>
-              <a:rPr lang="fr-FR" sz="2000" dirty="0"/>
-              <a:t> pour démontrer la différence entre la création d'une colonne calculée et une mesure.</a:t>
+              <a:t>pour démontrer la différence entre la création d'une colonne calculée et une mesure.</a:t>
             </a:r>
             <a:endParaRPr lang="en-US" sz="2000" dirty="0"/>
           </a:p>
@@ -3951,73 +4377,9 @@
           <a:chExt cx="0" cy="0"/>
         </a:xfrm>
       </p:grpSpPr>
-      <p:sp>
-        <p:nvSpPr>
-          <p:cNvPr id="2" name="TextBox 1"/>
-          <p:cNvSpPr txBox="1"/>
-          <p:nvPr/>
-        </p:nvSpPr>
-        <p:spPr>
-          <a:xfrm>
-            <a:off x="237325" y="174503"/>
-            <a:ext cx="4361259" cy="461665"/>
-          </a:xfrm>
-          <a:prstGeom prst="rect">
-            <a:avLst/>
-          </a:prstGeom>
-          <a:noFill/>
-        </p:spPr>
-        <p:txBody>
-          <a:bodyPr wrap="none" rtlCol="0">
-            <a:spAutoFit/>
-          </a:bodyPr>
-          <a:lstStyle/>
-          <a:p>
-            <a:r>
-              <a:rPr lang="en-US" sz="2400" dirty="0" err="1" smtClean="0">
-                <a:latin typeface="Segoe UI" panose="020B0502040204020203" pitchFamily="34" charset="0"/>
-                <a:cs typeface="Segoe UI" panose="020B0502040204020203" pitchFamily="34" charset="0"/>
-              </a:rPr>
-              <a:t>Mesures</a:t>
-            </a:r>
-            <a:r>
-              <a:rPr lang="en-US" sz="2400" dirty="0" smtClean="0">
-                <a:latin typeface="Segoe UI" panose="020B0502040204020203" pitchFamily="34" charset="0"/>
-                <a:cs typeface="Segoe UI" panose="020B0502040204020203" pitchFamily="34" charset="0"/>
-              </a:rPr>
-              <a:t> et </a:t>
-            </a:r>
-            <a:r>
-              <a:rPr lang="en-US" sz="2400" dirty="0" err="1" smtClean="0">
-                <a:latin typeface="Segoe UI" panose="020B0502040204020203" pitchFamily="34" charset="0"/>
-                <a:cs typeface="Segoe UI" panose="020B0502040204020203" pitchFamily="34" charset="0"/>
-              </a:rPr>
-              <a:t>colonnes</a:t>
-            </a:r>
-            <a:r>
-              <a:rPr lang="en-US" sz="2400" dirty="0" smtClean="0">
-                <a:latin typeface="Segoe UI" panose="020B0502040204020203" pitchFamily="34" charset="0"/>
-                <a:cs typeface="Segoe UI" panose="020B0502040204020203" pitchFamily="34" charset="0"/>
-              </a:rPr>
-              <a:t>  </a:t>
-            </a:r>
-            <a:r>
-              <a:rPr lang="en-US" sz="2400" dirty="0" err="1" smtClean="0">
-                <a:latin typeface="Segoe UI" panose="020B0502040204020203" pitchFamily="34" charset="0"/>
-                <a:cs typeface="Segoe UI" panose="020B0502040204020203" pitchFamily="34" charset="0"/>
-              </a:rPr>
-              <a:t>calculées</a:t>
-            </a:r>
-            <a:endParaRPr lang="en-US" sz="2400" dirty="0">
-              <a:latin typeface="Segoe UI" panose="020B0502040204020203" pitchFamily="34" charset="0"/>
-              <a:cs typeface="Segoe UI" panose="020B0502040204020203" pitchFamily="34" charset="0"/>
-            </a:endParaRPr>
-          </a:p>
-        </p:txBody>
-      </p:sp>
       <p:pic>
         <p:nvPicPr>
-          <p:cNvPr id="11" name="Picture 10"/>
+          <p:cNvPr id="4" name="Picture 3"/>
           <p:cNvPicPr>
             <a:picLocks noChangeAspect="1"/>
           </p:cNvPicPr>
@@ -4031,149 +4393,78 @@
         </p:blipFill>
         <p:spPr>
           <a:xfrm>
-            <a:off x="1868637" y="2055134"/>
-            <a:ext cx="3123451" cy="1065363"/>
+            <a:off x="4479035" y="1555775"/>
+            <a:ext cx="2162396" cy="4479249"/>
           </a:xfrm>
           <a:prstGeom prst="rect">
             <a:avLst/>
           </a:prstGeom>
-          <a:ln>
-            <a:noFill/>
-          </a:ln>
-          <a:effectLst>
-            <a:outerShdw blurRad="292100" dist="139700" dir="2700000" algn="tl" rotWithShape="0">
-              <a:srgbClr val="333333">
-                <a:alpha val="65000"/>
-              </a:srgbClr>
-            </a:outerShdw>
-          </a:effectLst>
         </p:spPr>
       </p:pic>
-      <p:pic>
-        <p:nvPicPr>
-          <p:cNvPr id="12" name="Picture 11"/>
-          <p:cNvPicPr>
-            <a:picLocks noChangeAspect="1"/>
-          </p:cNvPicPr>
+      <p:sp>
+        <p:nvSpPr>
+          <p:cNvPr id="2" name="TextBox 1"/>
+          <p:cNvSpPr txBox="1"/>
           <p:nvPr/>
-        </p:nvPicPr>
-        <p:blipFill rotWithShape="1">
-          <a:blip r:embed="rId4"/>
-          <a:srcRect l="1" t="1" r="-5407" b="-5407"/>
-          <a:stretch/>
-        </p:blipFill>
+        </p:nvSpPr>
         <p:spPr>
           <a:xfrm>
-            <a:off x="1868637" y="4509577"/>
-            <a:ext cx="5058481" cy="428685"/>
+            <a:off x="237325" y="174503"/>
+            <a:ext cx="4590103" cy="461665"/>
           </a:xfrm>
           <a:prstGeom prst="rect">
             <a:avLst/>
           </a:prstGeom>
-          <a:ln>
-            <a:noFill/>
-          </a:ln>
-          <a:effectLst>
-            <a:outerShdw blurRad="292100" dist="139700" dir="2700000" algn="tl" rotWithShape="0">
-              <a:srgbClr val="333333">
-                <a:alpha val="65000"/>
-              </a:srgbClr>
-            </a:outerShdw>
-          </a:effectLst>
-        </p:spPr>
-      </p:pic>
-      <p:pic>
-        <p:nvPicPr>
-          <p:cNvPr id="13" name="Picture 12"/>
-          <p:cNvPicPr>
-            <a:picLocks noChangeAspect="1"/>
-          </p:cNvPicPr>
-          <p:nvPr/>
-        </p:nvPicPr>
-        <p:blipFill>
-          <a:blip r:embed="rId5"/>
-          <a:stretch>
-            <a:fillRect/>
-          </a:stretch>
-        </p:blipFill>
-        <p:spPr>
-          <a:xfrm>
-            <a:off x="1868637" y="5236014"/>
-            <a:ext cx="4690723" cy="275925"/>
-          </a:xfrm>
-          <a:prstGeom prst="rect">
-            <a:avLst/>
-          </a:prstGeom>
-          <a:ln>
-            <a:noFill/>
-          </a:ln>
-          <a:effectLst>
-            <a:outerShdw blurRad="292100" dist="139700" dir="2700000" algn="tl" rotWithShape="0">
-              <a:srgbClr val="333333">
-                <a:alpha val="65000"/>
-              </a:srgbClr>
-            </a:outerShdw>
-          </a:effectLst>
-        </p:spPr>
-      </p:pic>
-      <p:pic>
-        <p:nvPicPr>
-          <p:cNvPr id="14" name="Picture 13"/>
-          <p:cNvPicPr>
-            <a:picLocks noChangeAspect="1"/>
-          </p:cNvPicPr>
-          <p:nvPr/>
-        </p:nvPicPr>
-        <p:blipFill>
-          <a:blip r:embed="rId6"/>
-          <a:stretch>
-            <a:fillRect/>
-          </a:stretch>
-        </p:blipFill>
-        <p:spPr>
-          <a:xfrm>
-            <a:off x="5409547" y="2006227"/>
-            <a:ext cx="1213856" cy="1974538"/>
-          </a:xfrm>
-          <a:prstGeom prst="rect">
-            <a:avLst/>
-          </a:prstGeom>
-          <a:ln>
-            <a:noFill/>
-          </a:ln>
-          <a:effectLst>
-            <a:outerShdw blurRad="292100" dist="139700" dir="2700000" algn="tl" rotWithShape="0">
-              <a:srgbClr val="333333">
-                <a:alpha val="65000"/>
-              </a:srgbClr>
-            </a:outerShdw>
-          </a:effectLst>
-        </p:spPr>
-      </p:pic>
-      <p:pic>
-        <p:nvPicPr>
-          <p:cNvPr id="15" name="Picture 14"/>
-          <p:cNvPicPr>
-            <a:picLocks noChangeAspect="1"/>
-          </p:cNvPicPr>
-          <p:nvPr/>
-        </p:nvPicPr>
-        <p:blipFill>
-          <a:blip r:embed="rId7"/>
-          <a:stretch>
-            <a:fillRect/>
-          </a:stretch>
-        </p:blipFill>
-        <p:spPr>
-          <a:xfrm>
-            <a:off x="7190207" y="1984796"/>
-            <a:ext cx="2514951" cy="4486901"/>
-          </a:xfrm>
-          <a:prstGeom prst="rect">
-            <a:avLst/>
-          </a:prstGeom>
-        </p:spPr>
-      </p:pic>
+          <a:noFill/>
+        </p:spPr>
+        <p:txBody>
+          <a:bodyPr wrap="none" rtlCol="0">
+            <a:spAutoFit/>
+          </a:bodyPr>
+          <a:lstStyle/>
+          <a:p>
+            <a:r>
+              <a:rPr lang="en-US" sz="2400" b="1" dirty="0" err="1" smtClean="0">
+                <a:latin typeface="Segoe UI" panose="020B0502040204020203" pitchFamily="34" charset="0"/>
+                <a:cs typeface="Segoe UI" panose="020B0502040204020203" pitchFamily="34" charset="0"/>
+              </a:rPr>
+              <a:t>Mesures</a:t>
+            </a:r>
+            <a:r>
+              <a:rPr lang="en-US" sz="2400" b="1" dirty="0" smtClean="0">
+                <a:latin typeface="Segoe UI" panose="020B0502040204020203" pitchFamily="34" charset="0"/>
+                <a:cs typeface="Segoe UI" panose="020B0502040204020203" pitchFamily="34" charset="0"/>
+              </a:rPr>
+              <a:t> et </a:t>
+            </a:r>
+            <a:r>
+              <a:rPr lang="en-US" sz="2400" b="1" dirty="0" err="1" smtClean="0">
+                <a:latin typeface="Segoe UI" panose="020B0502040204020203" pitchFamily="34" charset="0"/>
+                <a:cs typeface="Segoe UI" panose="020B0502040204020203" pitchFamily="34" charset="0"/>
+              </a:rPr>
+              <a:t>colonnes</a:t>
+            </a:r>
+            <a:r>
+              <a:rPr lang="en-US" sz="2400" b="1" dirty="0" smtClean="0">
+                <a:latin typeface="Segoe UI" panose="020B0502040204020203" pitchFamily="34" charset="0"/>
+                <a:cs typeface="Segoe UI" panose="020B0502040204020203" pitchFamily="34" charset="0"/>
+              </a:rPr>
+              <a:t>  </a:t>
+            </a:r>
+            <a:r>
+              <a:rPr lang="en-US" sz="2400" b="1" dirty="0" err="1" smtClean="0">
+                <a:latin typeface="Segoe UI" panose="020B0502040204020203" pitchFamily="34" charset="0"/>
+                <a:cs typeface="Segoe UI" panose="020B0502040204020203" pitchFamily="34" charset="0"/>
+              </a:rPr>
+              <a:t>calculées</a:t>
+            </a:r>
+            <a:endParaRPr lang="en-US" sz="2400" b="1" dirty="0">
+              <a:latin typeface="Segoe UI" panose="020B0502040204020203" pitchFamily="34" charset="0"/>
+              <a:cs typeface="Segoe UI" panose="020B0502040204020203" pitchFamily="34" charset="0"/>
+            </a:endParaRPr>
+          </a:p>
+        </p:txBody>
+      </p:sp>
       <p:sp>
         <p:nvSpPr>
           <p:cNvPr id="16" name="Rectangle 15"/>
@@ -4182,8 +4473,8 @@
         </p:nvSpPr>
         <p:spPr>
           <a:xfrm>
-            <a:off x="7190207" y="5041232"/>
-            <a:ext cx="2514951" cy="194782"/>
+            <a:off x="4479036" y="4594345"/>
+            <a:ext cx="2162396" cy="266413"/>
           </a:xfrm>
           <a:prstGeom prst="rect">
             <a:avLst/>
@@ -4224,66 +4515,18 @@
       </p:sp>
       <p:sp>
         <p:nvSpPr>
-          <p:cNvPr id="17" name="Rectangle 16"/>
+          <p:cNvPr id="5" name="Rectangle 4"/>
           <p:cNvSpPr/>
           <p:nvPr/>
         </p:nvSpPr>
         <p:spPr>
           <a:xfrm>
-            <a:off x="7190207" y="5686552"/>
-            <a:ext cx="2514951" cy="194782"/>
+            <a:off x="330688" y="711518"/>
+            <a:ext cx="11762767" cy="400110"/>
           </a:xfrm>
           <a:prstGeom prst="rect">
             <a:avLst/>
           </a:prstGeom>
-          <a:solidFill>
-            <a:srgbClr val="FF0000">
-              <a:alpha val="22000"/>
-            </a:srgbClr>
-          </a:solidFill>
-          <a:ln>
-            <a:noFill/>
-          </a:ln>
-        </p:spPr>
-        <p:style>
-          <a:lnRef idx="2">
-            <a:schemeClr val="accent1">
-              <a:shade val="50000"/>
-            </a:schemeClr>
-          </a:lnRef>
-          <a:fillRef idx="1">
-            <a:schemeClr val="accent1"/>
-          </a:fillRef>
-          <a:effectRef idx="0">
-            <a:schemeClr val="accent1"/>
-          </a:effectRef>
-          <a:fontRef idx="minor">
-            <a:schemeClr val="lt1"/>
-          </a:fontRef>
-        </p:style>
-        <p:txBody>
-          <a:bodyPr rtlCol="0" anchor="ctr"/>
-          <a:lstStyle/>
-          <a:p>
-            <a:pPr algn="ctr"/>
-            <a:endParaRPr lang="en-US"/>
-          </a:p>
-        </p:txBody>
-      </p:sp>
-      <p:sp>
-        <p:nvSpPr>
-          <p:cNvPr id="3" name="Rectangle 2"/>
-          <p:cNvSpPr/>
-          <p:nvPr/>
-        </p:nvSpPr>
-        <p:spPr>
-          <a:xfrm>
-            <a:off x="330689" y="776710"/>
-            <a:ext cx="10463355" cy="400110"/>
-          </a:xfrm>
-          <a:prstGeom prst="rect">
-            <a:avLst/>
-          </a:prstGeom>
         </p:spPr>
         <p:txBody>
           <a:bodyPr wrap="square">
@@ -4293,84 +4536,43 @@
           <a:p>
             <a:r>
               <a:rPr lang="fr-FR" sz="2000" dirty="0"/>
-              <a:t>Créez une colonne appelée </a:t>
-            </a:r>
-            <a:r>
-              <a:rPr lang="fr-FR" sz="2000" b="1" dirty="0" err="1"/>
+              <a:t>Créez une colonne </a:t>
+            </a:r>
+            <a:r>
+              <a:rPr lang="fr-FR" sz="2000" dirty="0" smtClean="0"/>
+              <a:t>appelée </a:t>
+            </a:r>
+            <a:r>
+              <a:rPr lang="en-US" sz="2000" b="1" dirty="0" err="1" smtClean="0"/>
               <a:t>SalesAmount</a:t>
             </a:r>
             <a:r>
-              <a:rPr lang="fr-FR" sz="2000" dirty="0"/>
-              <a:t> = FactSales[</a:t>
-            </a:r>
-            <a:r>
-              <a:rPr lang="fr-FR" sz="2000" dirty="0" err="1"/>
+              <a:rPr lang="en-US" sz="2000" b="1" dirty="0" smtClean="0"/>
+              <a:t> </a:t>
+            </a:r>
+            <a:r>
+              <a:rPr lang="en-US" dirty="0"/>
+              <a:t>= </a:t>
+            </a:r>
+            <a:r>
+              <a:rPr lang="en-US" sz="2000" dirty="0" smtClean="0"/>
+              <a:t>FactSales[</a:t>
+            </a:r>
+            <a:r>
+              <a:rPr lang="en-US" sz="2000" dirty="0" err="1" smtClean="0"/>
               <a:t>SalesQuantity</a:t>
             </a:r>
             <a:r>
-              <a:rPr lang="fr-FR" sz="2000" dirty="0"/>
-              <a:t>] * FactSales[</a:t>
-            </a:r>
-            <a:r>
-              <a:rPr lang="fr-FR" sz="2000" dirty="0" err="1"/>
+              <a:rPr lang="en-US" sz="2000" dirty="0"/>
+              <a:t>]*FactSales[</a:t>
+            </a:r>
+            <a:r>
+              <a:rPr lang="en-US" sz="2000" dirty="0" err="1"/>
               <a:t>UnitPrice</a:t>
             </a:r>
             <a:r>
-              <a:rPr lang="fr-FR" sz="2000" dirty="0"/>
-              <a:t>]</a:t>
-            </a:r>
-            <a:endParaRPr lang="en-US" sz="2000" dirty="0"/>
-          </a:p>
-        </p:txBody>
-      </p:sp>
-      <p:sp>
-        <p:nvSpPr>
-          <p:cNvPr id="5" name="Rectangle 4"/>
-          <p:cNvSpPr/>
-          <p:nvPr/>
-        </p:nvSpPr>
-        <p:spPr>
-          <a:xfrm>
-            <a:off x="330689" y="1259478"/>
-            <a:ext cx="10411682" cy="400110"/>
-          </a:xfrm>
-          <a:prstGeom prst="rect">
-            <a:avLst/>
-          </a:prstGeom>
-        </p:spPr>
-        <p:txBody>
-          <a:bodyPr wrap="square">
-            <a:spAutoFit/>
-          </a:bodyPr>
-          <a:lstStyle/>
-          <a:p>
-            <a:r>
-              <a:rPr lang="fr-FR" sz="2000" dirty="0"/>
-              <a:t>Créez une colonne appelée </a:t>
-            </a:r>
-            <a:r>
-              <a:rPr lang="fr-FR" sz="2000" b="1" dirty="0" err="1"/>
-              <a:t>TotalCost</a:t>
-            </a:r>
-            <a:r>
-              <a:rPr lang="fr-FR" sz="2000" dirty="0"/>
-              <a:t> = FactSales[</a:t>
-            </a:r>
-            <a:r>
-              <a:rPr lang="fr-FR" sz="2000" dirty="0" err="1"/>
-              <a:t>SalesQuantity</a:t>
-            </a:r>
-            <a:r>
-              <a:rPr lang="fr-FR" sz="2000" dirty="0"/>
-              <a:t>] - FactSales[</a:t>
-            </a:r>
-            <a:r>
-              <a:rPr lang="fr-FR" sz="2000" dirty="0" err="1"/>
-              <a:t>UnitCost</a:t>
-            </a:r>
-            <a:r>
-              <a:rPr lang="fr-FR" sz="2000" dirty="0"/>
-              <a:t>]</a:t>
+              <a:rPr lang="en-US" sz="2000" dirty="0" smtClean="0"/>
+              <a:t>] </a:t>
             </a:r>
             <a:endParaRPr lang="en-US" sz="2000" dirty="0"/>
           </a:p>
@@ -4415,7 +4617,7 @@
         <p:spPr>
           <a:xfrm>
             <a:off x="237325" y="174503"/>
-            <a:ext cx="4361259" cy="461665"/>
+            <a:ext cx="4590103" cy="461665"/>
           </a:xfrm>
           <a:prstGeom prst="rect">
             <a:avLst/>
@@ -4429,41 +4631,41 @@
           <a:lstStyle/>
           <a:p>
             <a:r>
-              <a:rPr lang="en-US" sz="2400" dirty="0" err="1" smtClean="0">
+              <a:rPr lang="en-US" sz="2400" b="1" dirty="0" err="1" smtClean="0">
                 <a:latin typeface="Segoe UI" panose="020B0502040204020203" pitchFamily="34" charset="0"/>
                 <a:cs typeface="Segoe UI" panose="020B0502040204020203" pitchFamily="34" charset="0"/>
               </a:rPr>
               <a:t>Mesures</a:t>
             </a:r>
             <a:r>
-              <a:rPr lang="en-US" sz="2400" dirty="0" smtClean="0">
+              <a:rPr lang="en-US" sz="2400" b="1" dirty="0" smtClean="0">
                 <a:latin typeface="Segoe UI" panose="020B0502040204020203" pitchFamily="34" charset="0"/>
                 <a:cs typeface="Segoe UI" panose="020B0502040204020203" pitchFamily="34" charset="0"/>
               </a:rPr>
               <a:t> et </a:t>
             </a:r>
             <a:r>
-              <a:rPr lang="en-US" sz="2400" dirty="0" err="1" smtClean="0">
+              <a:rPr lang="en-US" sz="2400" b="1" dirty="0" err="1" smtClean="0">
                 <a:latin typeface="Segoe UI" panose="020B0502040204020203" pitchFamily="34" charset="0"/>
                 <a:cs typeface="Segoe UI" panose="020B0502040204020203" pitchFamily="34" charset="0"/>
               </a:rPr>
               <a:t>colonnes</a:t>
             </a:r>
             <a:r>
-              <a:rPr lang="en-US" sz="2400" dirty="0" smtClean="0">
+              <a:rPr lang="en-US" sz="2400" b="1" dirty="0" smtClean="0">
                 <a:latin typeface="Segoe UI" panose="020B0502040204020203" pitchFamily="34" charset="0"/>
                 <a:cs typeface="Segoe UI" panose="020B0502040204020203" pitchFamily="34" charset="0"/>
               </a:rPr>
               <a:t>  </a:t>
             </a:r>
             <a:r>
-              <a:rPr lang="en-US" sz="2400" dirty="0" err="1" smtClean="0">
+              <a:rPr lang="en-US" sz="2400" b="1" dirty="0" err="1" smtClean="0">
                 <a:latin typeface="Segoe UI" panose="020B0502040204020203" pitchFamily="34" charset="0"/>
                 <a:cs typeface="Segoe UI" panose="020B0502040204020203" pitchFamily="34" charset="0"/>
               </a:rPr>
               <a:t>calculées</a:t>
             </a:r>
-            <a:endParaRPr lang="en-US" sz="2400" dirty="0">
+            <a:endParaRPr lang="en-US" sz="2400" b="1" dirty="0">
               <a:latin typeface="Segoe UI" panose="020B0502040204020203" pitchFamily="34" charset="0"/>
               <a:cs typeface="Segoe UI" panose="020B0502040204020203" pitchFamily="34" charset="0"/>
             </a:endParaRPr>
@@ -4506,7 +4708,7 @@
       </p:pic>
       <p:pic>
         <p:nvPicPr>
-          <p:cNvPr id="7" name="Picture 6"/>
+          <p:cNvPr id="10" name="Picture 9"/>
           <p:cNvPicPr>
             <a:picLocks noChangeAspect="1"/>
           </p:cNvPicPr>
@@ -4520,8 +4722,8 @@
         </p:blipFill>
         <p:spPr>
           <a:xfrm>
-            <a:off x="411903" y="2599374"/>
-            <a:ext cx="5982535" cy="295316"/>
+            <a:off x="411903" y="3363750"/>
+            <a:ext cx="3850533" cy="2523758"/>
           </a:xfrm>
           <a:prstGeom prst="rect">
             <a:avLst/>
@@ -4530,204 +4732,14 @@
       </p:pic>
       <p:sp>
         <p:nvSpPr>
-          <p:cNvPr id="8" name="Rectangle 7"/>
-          <p:cNvSpPr/>
-          <p:nvPr/>
-        </p:nvSpPr>
-        <p:spPr>
-          <a:xfrm>
-            <a:off x="411903" y="2930371"/>
-            <a:ext cx="10127760" cy="369332"/>
-          </a:xfrm>
-          <a:prstGeom prst="rect">
-            <a:avLst/>
-          </a:prstGeom>
-        </p:spPr>
-        <p:txBody>
-          <a:bodyPr wrap="square">
-            <a:spAutoFit/>
-          </a:bodyPr>
-          <a:lstStyle/>
-          <a:p>
-            <a:r>
-              <a:rPr lang="en-US" dirty="0">
-                <a:solidFill>
-                  <a:srgbClr val="000000"/>
-                </a:solidFill>
-                <a:latin typeface="Consolas" panose="020B0609020204030204" pitchFamily="49" charset="0"/>
-              </a:rPr>
-              <a:t>Total Profit = </a:t>
-            </a:r>
-            <a:r>
-              <a:rPr lang="en-US" dirty="0">
-                <a:solidFill>
-                  <a:srgbClr val="3165BB"/>
-                </a:solidFill>
-                <a:latin typeface="Consolas" panose="020B0609020204030204" pitchFamily="49" charset="0"/>
-              </a:rPr>
-              <a:t>SUM</a:t>
-            </a:r>
-            <a:r>
-              <a:rPr lang="en-US" dirty="0">
-                <a:solidFill>
-                  <a:srgbClr val="000000"/>
-                </a:solidFill>
-                <a:latin typeface="Consolas" panose="020B0609020204030204" pitchFamily="49" charset="0"/>
-              </a:rPr>
-              <a:t>(</a:t>
-            </a:r>
-            <a:r>
-              <a:rPr lang="en-US" dirty="0" err="1">
-                <a:solidFill>
-                  <a:srgbClr val="001080"/>
-                </a:solidFill>
-                <a:latin typeface="Consolas" panose="020B0609020204030204" pitchFamily="49" charset="0"/>
-              </a:rPr>
-              <a:t>FactSales</a:t>
-            </a:r>
-            <a:r>
-              <a:rPr lang="en-US" dirty="0">
-                <a:solidFill>
-                  <a:srgbClr val="001080"/>
-                </a:solidFill>
-                <a:latin typeface="Consolas" panose="020B0609020204030204" pitchFamily="49" charset="0"/>
-              </a:rPr>
-              <a:t>[</a:t>
-            </a:r>
-            <a:r>
-              <a:rPr lang="en-US" dirty="0" err="1">
-                <a:solidFill>
-                  <a:srgbClr val="001080"/>
-                </a:solidFill>
-                <a:latin typeface="Consolas" panose="020B0609020204030204" pitchFamily="49" charset="0"/>
-              </a:rPr>
-              <a:t>SalesAmount</a:t>
-            </a:r>
-            <a:r>
-              <a:rPr lang="en-US" dirty="0">
-                <a:solidFill>
-                  <a:srgbClr val="001080"/>
-                </a:solidFill>
-                <a:latin typeface="Consolas" panose="020B0609020204030204" pitchFamily="49" charset="0"/>
-              </a:rPr>
-              <a:t>]</a:t>
-            </a:r>
-            <a:r>
-              <a:rPr lang="en-US" dirty="0">
-                <a:solidFill>
-                  <a:srgbClr val="000000"/>
-                </a:solidFill>
-                <a:latin typeface="Consolas" panose="020B0609020204030204" pitchFamily="49" charset="0"/>
-              </a:rPr>
-              <a:t>) -</a:t>
-            </a:r>
-            <a:r>
-              <a:rPr lang="en-US" dirty="0">
-                <a:solidFill>
-                  <a:srgbClr val="3165BB"/>
-                </a:solidFill>
-                <a:latin typeface="Consolas" panose="020B0609020204030204" pitchFamily="49" charset="0"/>
-              </a:rPr>
-              <a:t>SUM</a:t>
-            </a:r>
-            <a:r>
-              <a:rPr lang="en-US" dirty="0">
-                <a:solidFill>
-                  <a:srgbClr val="000000"/>
-                </a:solidFill>
-                <a:latin typeface="Consolas" panose="020B0609020204030204" pitchFamily="49" charset="0"/>
-              </a:rPr>
-              <a:t>(</a:t>
-            </a:r>
-            <a:r>
-              <a:rPr lang="en-US" dirty="0" err="1">
-                <a:solidFill>
-                  <a:srgbClr val="001080"/>
-                </a:solidFill>
-                <a:latin typeface="Consolas" panose="020B0609020204030204" pitchFamily="49" charset="0"/>
-              </a:rPr>
-              <a:t>FactSales</a:t>
-            </a:r>
-            <a:r>
-              <a:rPr lang="en-US" dirty="0">
-                <a:solidFill>
-                  <a:srgbClr val="001080"/>
-                </a:solidFill>
-                <a:latin typeface="Consolas" panose="020B0609020204030204" pitchFamily="49" charset="0"/>
-              </a:rPr>
-              <a:t>[</a:t>
-            </a:r>
-            <a:r>
-              <a:rPr lang="en-US" dirty="0" err="1">
-                <a:solidFill>
-                  <a:srgbClr val="001080"/>
-                </a:solidFill>
-                <a:latin typeface="Consolas" panose="020B0609020204030204" pitchFamily="49" charset="0"/>
-              </a:rPr>
-              <a:t>TotalCost</a:t>
-            </a:r>
-            <a:r>
-              <a:rPr lang="en-US" dirty="0">
-                <a:solidFill>
-                  <a:srgbClr val="001080"/>
-                </a:solidFill>
-                <a:latin typeface="Consolas" panose="020B0609020204030204" pitchFamily="49" charset="0"/>
-              </a:rPr>
-              <a:t>]</a:t>
-            </a:r>
-            <a:r>
-              <a:rPr lang="en-US" dirty="0">
-                <a:solidFill>
-                  <a:srgbClr val="000000"/>
-                </a:solidFill>
-                <a:latin typeface="Consolas" panose="020B0609020204030204" pitchFamily="49" charset="0"/>
-              </a:rPr>
-              <a:t>)</a:t>
-            </a:r>
-            <a:endParaRPr lang="en-US" b="0" dirty="0">
-              <a:solidFill>
-                <a:srgbClr val="000000"/>
-              </a:solidFill>
-              <a:effectLst/>
-              <a:latin typeface="Consolas" panose="020B0609020204030204" pitchFamily="49" charset="0"/>
-            </a:endParaRPr>
-          </a:p>
-        </p:txBody>
-      </p:sp>
-      <p:pic>
-        <p:nvPicPr>
-          <p:cNvPr id="10" name="Picture 9"/>
-          <p:cNvPicPr>
-            <a:picLocks noChangeAspect="1"/>
-          </p:cNvPicPr>
-          <p:nvPr/>
-        </p:nvPicPr>
-        <p:blipFill>
-          <a:blip r:embed="rId4"/>
-          <a:stretch>
-            <a:fillRect/>
-          </a:stretch>
-        </p:blipFill>
-        <p:spPr>
-          <a:xfrm>
-            <a:off x="411903" y="3363750"/>
-            <a:ext cx="3850533" cy="2523758"/>
-          </a:xfrm>
-          <a:prstGeom prst="rect">
-            <a:avLst/>
-          </a:prstGeom>
-        </p:spPr>
-      </p:pic>
-      <p:sp>
-        <p:nvSpPr>
           <p:cNvPr id="11" name="Rectangle 10"/>
           <p:cNvSpPr/>
           <p:nvPr/>
         </p:nvSpPr>
         <p:spPr>
           <a:xfrm>
-            <a:off x="411903" y="4380465"/>
-            <a:ext cx="3850533" cy="397042"/>
+            <a:off x="411903" y="4431241"/>
+            <a:ext cx="3850533" cy="346266"/>
           </a:xfrm>
           <a:prstGeom prst="rect">
             <a:avLst/>
@@ -4819,7 +4831,7 @@
         </p:nvSpPr>
         <p:spPr>
           <a:xfrm>
-            <a:off x="295024" y="6192794"/>
+            <a:off x="295024" y="6165294"/>
             <a:ext cx="9254611" cy="400110"/>
           </a:xfrm>
           <a:prstGeom prst="rect">
@@ -4834,17 +4846,244 @@
           <a:p>
             <a:r>
               <a:rPr lang="fr-FR" sz="2000" dirty="0"/>
-              <a:t>Notez l'utilisation de la fonction </a:t>
-            </a:r>
-            <a:r>
-              <a:rPr lang="fr-FR" sz="2000" b="1" dirty="0"/>
+              <a:t>Notez </a:t>
+            </a:r>
+            <a:r>
+              <a:rPr lang="fr-FR" sz="2000" dirty="0" smtClean="0"/>
+              <a:t>la différence d'utilisation des fonctions </a:t>
+            </a:r>
+            <a:r>
+              <a:rPr lang="fr-FR" sz="2000" b="1" dirty="0" smtClean="0"/>
+              <a:t>SUM </a:t>
+            </a:r>
+            <a:r>
+              <a:rPr lang="fr-FR" sz="2000" dirty="0" smtClean="0"/>
+              <a:t>et </a:t>
+            </a:r>
+            <a:r>
+              <a:rPr lang="fr-FR" sz="2000" b="1" dirty="0" smtClean="0"/>
+              <a:t>SUMX</a:t>
+            </a:r>
+            <a:r>
+              <a:rPr lang="fr-FR" sz="2000" dirty="0" smtClean="0"/>
+              <a:t> </a:t>
+            </a:r>
+            <a:r>
+              <a:rPr lang="fr-FR" sz="2000" dirty="0"/>
+              <a:t>pour agréger les données.</a:t>
+            </a:r>
+            <a:endParaRPr lang="en-US" sz="2000" dirty="0"/>
+          </a:p>
+        </p:txBody>
+      </p:sp>
+      <p:sp>
+        <p:nvSpPr>
+          <p:cNvPr id="4" name="Rectangle 3"/>
+          <p:cNvSpPr/>
+          <p:nvPr/>
+        </p:nvSpPr>
+        <p:spPr>
+          <a:xfrm>
+            <a:off x="409274" y="2564776"/>
+            <a:ext cx="11512302" cy="646331"/>
+          </a:xfrm>
+          <a:prstGeom prst="rect">
+            <a:avLst/>
+          </a:prstGeom>
+        </p:spPr>
+        <p:txBody>
+          <a:bodyPr wrap="square">
+            <a:spAutoFit/>
+          </a:bodyPr>
+          <a:lstStyle/>
+          <a:p>
+            <a:r>
+              <a:rPr lang="en-US" dirty="0">
+                <a:solidFill>
+                  <a:srgbClr val="000000"/>
+                </a:solidFill>
+                <a:latin typeface="Consolas" panose="020B0609020204030204" pitchFamily="49" charset="0"/>
+              </a:rPr>
+              <a:t>Total Profit = </a:t>
+            </a:r>
+            <a:r>
+              <a:rPr lang="en-US" dirty="0">
+                <a:solidFill>
+                  <a:srgbClr val="3165BB"/>
+                </a:solidFill>
+                <a:latin typeface="Consolas" panose="020B0609020204030204" pitchFamily="49" charset="0"/>
+              </a:rPr>
               <a:t>SUM</a:t>
             </a:r>
             <a:r>
-              <a:rPr lang="fr-FR" sz="2000" dirty="0"/>
-              <a:t> pour agréger les données.</a:t>
-            </a:r>
-            <a:endParaRPr lang="en-US" sz="2000" dirty="0"/>
+              <a:rPr lang="en-US" dirty="0">
+                <a:solidFill>
+                  <a:srgbClr val="000000"/>
+                </a:solidFill>
+                <a:latin typeface="Consolas" panose="020B0609020204030204" pitchFamily="49" charset="0"/>
+              </a:rPr>
+              <a:t>(</a:t>
+            </a:r>
+            <a:r>
+              <a:rPr lang="en-US" dirty="0">
+                <a:solidFill>
+                  <a:srgbClr val="001080"/>
+                </a:solidFill>
+                <a:latin typeface="Consolas" panose="020B0609020204030204" pitchFamily="49" charset="0"/>
+              </a:rPr>
+              <a:t>FactSales[</a:t>
+            </a:r>
+            <a:r>
+              <a:rPr lang="en-US" dirty="0" err="1">
+                <a:solidFill>
+                  <a:srgbClr val="001080"/>
+                </a:solidFill>
+                <a:latin typeface="Consolas" panose="020B0609020204030204" pitchFamily="49" charset="0"/>
+              </a:rPr>
+              <a:t>SalesAmount</a:t>
+            </a:r>
+            <a:r>
+              <a:rPr lang="en-US" dirty="0">
+                <a:solidFill>
+                  <a:srgbClr val="001080"/>
+                </a:solidFill>
+                <a:latin typeface="Consolas" panose="020B0609020204030204" pitchFamily="49" charset="0"/>
+              </a:rPr>
+              <a:t>]</a:t>
+            </a:r>
+            <a:r>
+              <a:rPr lang="en-US" dirty="0">
+                <a:solidFill>
+                  <a:srgbClr val="000000"/>
+                </a:solidFill>
+                <a:latin typeface="Consolas" panose="020B0609020204030204" pitchFamily="49" charset="0"/>
+              </a:rPr>
+              <a:t>) -</a:t>
+            </a:r>
+            <a:r>
+              <a:rPr lang="en-US" dirty="0">
+                <a:solidFill>
+                  <a:srgbClr val="3165BB"/>
+                </a:solidFill>
+                <a:latin typeface="Consolas" panose="020B0609020204030204" pitchFamily="49" charset="0"/>
+              </a:rPr>
+              <a:t>SUMX</a:t>
+            </a:r>
+            <a:r>
+              <a:rPr lang="en-US" dirty="0">
+                <a:solidFill>
+                  <a:srgbClr val="000000"/>
+                </a:solidFill>
+                <a:latin typeface="Consolas" panose="020B0609020204030204" pitchFamily="49" charset="0"/>
+              </a:rPr>
+              <a:t>(</a:t>
+            </a:r>
+            <a:r>
+              <a:rPr lang="en-US" dirty="0" err="1">
+                <a:solidFill>
+                  <a:srgbClr val="001080"/>
+                </a:solidFill>
+                <a:latin typeface="Consolas" panose="020B0609020204030204" pitchFamily="49" charset="0"/>
+              </a:rPr>
+              <a:t>FactSales</a:t>
+            </a:r>
+            <a:r>
+              <a:rPr lang="en-US" dirty="0" err="1">
+                <a:solidFill>
+                  <a:srgbClr val="000000"/>
+                </a:solidFill>
+                <a:latin typeface="Consolas" panose="020B0609020204030204" pitchFamily="49" charset="0"/>
+              </a:rPr>
+              <a:t>,</a:t>
+            </a:r>
+            <a:r>
+              <a:rPr lang="en-US" dirty="0" err="1">
+                <a:solidFill>
+                  <a:srgbClr val="001080"/>
+                </a:solidFill>
+                <a:latin typeface="Consolas" panose="020B0609020204030204" pitchFamily="49" charset="0"/>
+              </a:rPr>
+              <a:t>FactSales</a:t>
+            </a:r>
+            <a:r>
+              <a:rPr lang="en-US" dirty="0">
+                <a:solidFill>
+                  <a:srgbClr val="001080"/>
+                </a:solidFill>
+                <a:latin typeface="Consolas" panose="020B0609020204030204" pitchFamily="49" charset="0"/>
+              </a:rPr>
+              <a:t>[</a:t>
+            </a:r>
+            <a:r>
+              <a:rPr lang="en-US" dirty="0" err="1">
+                <a:solidFill>
+                  <a:srgbClr val="001080"/>
+                </a:solidFill>
+                <a:latin typeface="Consolas" panose="020B0609020204030204" pitchFamily="49" charset="0"/>
+              </a:rPr>
+              <a:t>SalesQuantity</a:t>
+            </a:r>
+            <a:r>
+              <a:rPr lang="en-US" dirty="0">
+                <a:solidFill>
+                  <a:srgbClr val="001080"/>
+                </a:solidFill>
+                <a:latin typeface="Consolas" panose="020B0609020204030204" pitchFamily="49" charset="0"/>
+              </a:rPr>
+              <a:t>]</a:t>
+            </a:r>
+            <a:r>
+              <a:rPr lang="en-US" dirty="0">
+                <a:solidFill>
+                  <a:srgbClr val="000000"/>
+                </a:solidFill>
+                <a:latin typeface="Consolas" panose="020B0609020204030204" pitchFamily="49" charset="0"/>
+              </a:rPr>
+              <a:t>*</a:t>
+            </a:r>
+            <a:r>
+              <a:rPr lang="en-US" dirty="0">
+                <a:solidFill>
+                  <a:srgbClr val="001080"/>
+                </a:solidFill>
+                <a:latin typeface="Consolas" panose="020B0609020204030204" pitchFamily="49" charset="0"/>
+              </a:rPr>
+              <a:t>FactSales[</a:t>
+            </a:r>
+            <a:r>
+              <a:rPr lang="en-US" dirty="0" err="1">
+                <a:solidFill>
+                  <a:srgbClr val="001080"/>
+                </a:solidFill>
+                <a:latin typeface="Consolas" panose="020B0609020204030204" pitchFamily="49" charset="0"/>
+              </a:rPr>
+              <a:t>UnitCost</a:t>
+            </a:r>
+            <a:r>
+              <a:rPr lang="en-US" dirty="0">
+                <a:solidFill>
+                  <a:srgbClr val="001080"/>
+                </a:solidFill>
+                <a:latin typeface="Consolas" panose="020B0609020204030204" pitchFamily="49" charset="0"/>
+              </a:rPr>
+              <a:t>]</a:t>
+            </a:r>
+            <a:r>
+              <a:rPr lang="en-US" dirty="0">
+                <a:solidFill>
+                  <a:srgbClr val="000000"/>
+                </a:solidFill>
+                <a:latin typeface="Consolas" panose="020B0609020204030204" pitchFamily="49" charset="0"/>
+              </a:rPr>
+              <a:t>)</a:t>
+            </a:r>
+            <a:endParaRPr lang="en-US" b="0" dirty="0">
+              <a:solidFill>
+                <a:srgbClr val="000000"/>
+              </a:solidFill>
+              <a:effectLst/>
+              <a:latin typeface="Consolas" panose="020B0609020204030204" pitchFamily="49" charset="0"/>
+            </a:endParaRPr>
           </a:p>
         </p:txBody>
       </p:sp>
@@ -4887,7 +5126,7 @@
         <p:spPr>
           <a:xfrm>
             <a:off x="237325" y="174503"/>
-            <a:ext cx="4361259" cy="461665"/>
+            <a:ext cx="4590103" cy="461665"/>
           </a:xfrm>
           <a:prstGeom prst="rect">
             <a:avLst/>
@@ -4901,193 +5140,43 @@
           <a:lstStyle/>
           <a:p>
             <a:r>
-              <a:rPr lang="en-US" sz="2400" dirty="0" err="1" smtClean="0">
+              <a:rPr lang="en-US" sz="2400" b="1" dirty="0" err="1" smtClean="0">
                 <a:latin typeface="Segoe UI" panose="020B0502040204020203" pitchFamily="34" charset="0"/>
                 <a:cs typeface="Segoe UI" panose="020B0502040204020203" pitchFamily="34" charset="0"/>
               </a:rPr>
               <a:t>Mesures</a:t>
             </a:r>
             <a:r>
-              <a:rPr lang="en-US" sz="2400" dirty="0" smtClean="0">
+              <a:rPr lang="en-US" sz="2400" b="1" dirty="0" smtClean="0">
                 <a:latin typeface="Segoe UI" panose="020B0502040204020203" pitchFamily="34" charset="0"/>
                 <a:cs typeface="Segoe UI" panose="020B0502040204020203" pitchFamily="34" charset="0"/>
               </a:rPr>
               <a:t> et </a:t>
             </a:r>
             <a:r>
-              <a:rPr lang="en-US" sz="2400" dirty="0" err="1" smtClean="0">
+              <a:rPr lang="en-US" sz="2400" b="1" dirty="0" err="1" smtClean="0">
                 <a:latin typeface="Segoe UI" panose="020B0502040204020203" pitchFamily="34" charset="0"/>
                 <a:cs typeface="Segoe UI" panose="020B0502040204020203" pitchFamily="34" charset="0"/>
               </a:rPr>
               <a:t>colonnes</a:t>
             </a:r>
             <a:r>
-              <a:rPr lang="en-US" sz="2400" dirty="0" smtClean="0">
+              <a:rPr lang="en-US" sz="2400" b="1" dirty="0" smtClean="0">
                 <a:latin typeface="Segoe UI" panose="020B0502040204020203" pitchFamily="34" charset="0"/>
                 <a:cs typeface="Segoe UI" panose="020B0502040204020203" pitchFamily="34" charset="0"/>
               </a:rPr>
               <a:t>  </a:t>
             </a:r>
             <a:r>
-              <a:rPr lang="en-US" sz="2400" dirty="0" err="1" smtClean="0">
+              <a:rPr lang="en-US" sz="2400" b="1" dirty="0" err="1" smtClean="0">
                 <a:latin typeface="Segoe UI" panose="020B0502040204020203" pitchFamily="34" charset="0"/>
                 <a:cs typeface="Segoe UI" panose="020B0502040204020203" pitchFamily="34" charset="0"/>
               </a:rPr>
               <a:t>calculées</a:t>
             </a:r>
-            <a:endParaRPr lang="en-US" sz="2400" dirty="0">
+            <a:endParaRPr lang="en-US" sz="2400" b="1" dirty="0">
               <a:latin typeface="Segoe UI" panose="020B0502040204020203" pitchFamily="34" charset="0"/>
               <a:cs typeface="Segoe UI" panose="020B0502040204020203" pitchFamily="34" charset="0"/>
-            </a:endParaRPr>
-          </a:p>
-        </p:txBody>
-      </p:sp>
-      <p:sp>
-        <p:nvSpPr>
-          <p:cNvPr id="10" name="Rectangle 9"/>
-          <p:cNvSpPr/>
-          <p:nvPr/>
-        </p:nvSpPr>
-        <p:spPr>
-          <a:xfrm>
-            <a:off x="-90743" y="1360504"/>
-            <a:ext cx="9381325" cy="388696"/>
-          </a:xfrm>
-          <a:prstGeom prst="rect">
-            <a:avLst/>
-          </a:prstGeom>
-        </p:spPr>
-        <p:txBody>
-          <a:bodyPr wrap="square">
-            <a:spAutoFit/>
-          </a:bodyPr>
-          <a:lstStyle/>
-          <a:p>
-            <a:pPr marL="457200">
-              <a:lnSpc>
-                <a:spcPct val="107000"/>
-              </a:lnSpc>
-              <a:spcAft>
-                <a:spcPts val="800"/>
-              </a:spcAft>
-            </a:pPr>
-            <a:r>
-              <a:rPr lang="en-US" dirty="0">
-                <a:latin typeface="Segoe UI" panose="020B0502040204020203" pitchFamily="34" charset="0"/>
-                <a:ea typeface="Calibri" panose="020F0502020204030204" pitchFamily="34" charset="0"/>
-                <a:cs typeface="Times New Roman" panose="02020603050405020304" pitchFamily="18" charset="0"/>
-              </a:rPr>
-              <a:t>Profit Measure = </a:t>
-            </a:r>
-            <a:r>
-              <a:rPr lang="en-US" b="1" dirty="0">
-                <a:latin typeface="Segoe UI" panose="020B0502040204020203" pitchFamily="34" charset="0"/>
-                <a:ea typeface="Calibri" panose="020F0502020204030204" pitchFamily="34" charset="0"/>
-                <a:cs typeface="Times New Roman" panose="02020603050405020304" pitchFamily="18" charset="0"/>
-              </a:rPr>
-              <a:t>SUM( </a:t>
-            </a:r>
-            <a:r>
-              <a:rPr lang="en-US" dirty="0" err="1">
-                <a:latin typeface="Segoe UI" panose="020B0502040204020203" pitchFamily="34" charset="0"/>
-                <a:ea typeface="Calibri" panose="020F0502020204030204" pitchFamily="34" charset="0"/>
-                <a:cs typeface="Times New Roman" panose="02020603050405020304" pitchFamily="18" charset="0"/>
-              </a:rPr>
-              <a:t>FactSales</a:t>
-            </a:r>
-            <a:r>
-              <a:rPr lang="en-US" dirty="0">
-                <a:latin typeface="Segoe UI" panose="020B0502040204020203" pitchFamily="34" charset="0"/>
-                <a:ea typeface="Calibri" panose="020F0502020204030204" pitchFamily="34" charset="0"/>
-                <a:cs typeface="Times New Roman" panose="02020603050405020304" pitchFamily="18" charset="0"/>
-              </a:rPr>
-              <a:t> [ </a:t>
-            </a:r>
-            <a:r>
-              <a:rPr lang="en-US" dirty="0" err="1">
-                <a:latin typeface="Segoe UI" panose="020B0502040204020203" pitchFamily="34" charset="0"/>
-                <a:ea typeface="Calibri" panose="020F0502020204030204" pitchFamily="34" charset="0"/>
-                <a:cs typeface="Times New Roman" panose="02020603050405020304" pitchFamily="18" charset="0"/>
-              </a:rPr>
-              <a:t>SalesAmount</a:t>
-            </a:r>
-            <a:r>
-              <a:rPr lang="en-US" dirty="0">
-                <a:latin typeface="Segoe UI" panose="020B0502040204020203" pitchFamily="34" charset="0"/>
-                <a:ea typeface="Calibri" panose="020F0502020204030204" pitchFamily="34" charset="0"/>
-                <a:cs typeface="Times New Roman" panose="02020603050405020304" pitchFamily="18" charset="0"/>
-              </a:rPr>
-              <a:t> ] </a:t>
-            </a:r>
-            <a:r>
-              <a:rPr lang="en-US" b="1" dirty="0">
-                <a:latin typeface="Segoe UI" panose="020B0502040204020203" pitchFamily="34" charset="0"/>
-                <a:ea typeface="Calibri" panose="020F0502020204030204" pitchFamily="34" charset="0"/>
-                <a:cs typeface="Times New Roman" panose="02020603050405020304" pitchFamily="18" charset="0"/>
-              </a:rPr>
-              <a:t>) </a:t>
-            </a:r>
-            <a:r>
-              <a:rPr lang="en-US" dirty="0">
-                <a:latin typeface="Segoe UI" panose="020B0502040204020203" pitchFamily="34" charset="0"/>
-                <a:ea typeface="Calibri" panose="020F0502020204030204" pitchFamily="34" charset="0"/>
-                <a:cs typeface="Times New Roman" panose="02020603050405020304" pitchFamily="18" charset="0"/>
-              </a:rPr>
-              <a:t>- </a:t>
-            </a:r>
-            <a:r>
-              <a:rPr lang="en-US" b="1" dirty="0">
-                <a:latin typeface="Segoe UI" panose="020B0502040204020203" pitchFamily="34" charset="0"/>
-                <a:ea typeface="Calibri" panose="020F0502020204030204" pitchFamily="34" charset="0"/>
-                <a:cs typeface="Times New Roman" panose="02020603050405020304" pitchFamily="18" charset="0"/>
-              </a:rPr>
-              <a:t>SUM( </a:t>
-            </a:r>
-            <a:r>
-              <a:rPr lang="en-US" dirty="0" err="1">
-                <a:latin typeface="Segoe UI" panose="020B0502040204020203" pitchFamily="34" charset="0"/>
-                <a:ea typeface="Calibri" panose="020F0502020204030204" pitchFamily="34" charset="0"/>
-                <a:cs typeface="Times New Roman" panose="02020603050405020304" pitchFamily="18" charset="0"/>
-              </a:rPr>
-              <a:t>FactSales</a:t>
-            </a:r>
-            <a:r>
-              <a:rPr lang="en-US" dirty="0">
-                <a:latin typeface="Segoe UI" panose="020B0502040204020203" pitchFamily="34" charset="0"/>
-                <a:ea typeface="Calibri" panose="020F0502020204030204" pitchFamily="34" charset="0"/>
-                <a:cs typeface="Times New Roman" panose="02020603050405020304" pitchFamily="18" charset="0"/>
-              </a:rPr>
-              <a:t> [ </a:t>
-            </a:r>
-            <a:r>
-              <a:rPr lang="en-US" dirty="0" err="1">
-                <a:latin typeface="Segoe UI" panose="020B0502040204020203" pitchFamily="34" charset="0"/>
-                <a:ea typeface="Calibri" panose="020F0502020204030204" pitchFamily="34" charset="0"/>
-                <a:cs typeface="Times New Roman" panose="02020603050405020304" pitchFamily="18" charset="0"/>
-              </a:rPr>
-              <a:t>TotalCost</a:t>
-            </a:r>
-            <a:r>
-              <a:rPr lang="en-US" dirty="0">
-                <a:latin typeface="Segoe UI" panose="020B0502040204020203" pitchFamily="34" charset="0"/>
-                <a:ea typeface="Calibri" panose="020F0502020204030204" pitchFamily="34" charset="0"/>
-                <a:cs typeface="Times New Roman" panose="02020603050405020304" pitchFamily="18" charset="0"/>
-              </a:rPr>
-              <a:t> ] </a:t>
-            </a:r>
-            <a:r>
-              <a:rPr lang="en-US" b="1" dirty="0">
-                <a:latin typeface="Segoe UI" panose="020B0502040204020203" pitchFamily="34" charset="0"/>
-                <a:ea typeface="Calibri" panose="020F0502020204030204" pitchFamily="34" charset="0"/>
-                <a:cs typeface="Times New Roman" panose="02020603050405020304" pitchFamily="18" charset="0"/>
-              </a:rPr>
-              <a:t>)</a:t>
-            </a:r>
-            <a:endParaRPr lang="en-US" sz="1400" dirty="0">
-              <a:effectLst/>
-              <a:latin typeface="Calibri" panose="020F0502020204030204" pitchFamily="34" charset="0"/>
-              <a:ea typeface="Calibri" panose="020F0502020204030204" pitchFamily="34" charset="0"/>
-              <a:cs typeface="Times New Roman" panose="02020603050405020304" pitchFamily="18" charset="0"/>
             </a:endParaRPr>
           </a:p>
         </p:txBody>
@@ -5113,7 +5202,7 @@
         </p:blipFill>
         <p:spPr bwMode="auto">
           <a:xfrm>
-            <a:off x="552543" y="1955642"/>
+            <a:off x="552542" y="2148148"/>
             <a:ext cx="4124325" cy="4314825"/>
           </a:xfrm>
           <a:prstGeom prst="rect">
@@ -5139,7 +5228,7 @@
         </p:nvSpPr>
         <p:spPr>
           <a:xfrm>
-            <a:off x="237325" y="776104"/>
+            <a:off x="356958" y="753952"/>
             <a:ext cx="8639819" cy="400110"/>
           </a:xfrm>
           <a:prstGeom prst="rect">
@@ -5160,6 +5249,184 @@
           </a:p>
         </p:txBody>
       </p:sp>
+      <p:sp>
+        <p:nvSpPr>
+          <p:cNvPr id="6" name="Rectangle 5"/>
+          <p:cNvSpPr/>
+          <p:nvPr/>
+        </p:nvSpPr>
+        <p:spPr>
+          <a:xfrm>
+            <a:off x="443650" y="1307088"/>
+            <a:ext cx="8652223" cy="646331"/>
+          </a:xfrm>
+          <a:prstGeom prst="rect">
+            <a:avLst/>
+          </a:prstGeom>
+        </p:spPr>
+        <p:txBody>
+          <a:bodyPr wrap="square">
+            <a:spAutoFit/>
+          </a:bodyPr>
+          <a:lstStyle/>
+          <a:p>
+            <a:r>
+              <a:rPr lang="en-US" dirty="0">
+                <a:latin typeface="Consolas" panose="020B0609020204030204" pitchFamily="49" charset="0"/>
+              </a:rPr>
+              <a:t>Total Profit = </a:t>
+            </a:r>
+            <a:r>
+              <a:rPr lang="en-US" b="1" dirty="0">
+                <a:latin typeface="Consolas" panose="020B0609020204030204" pitchFamily="49" charset="0"/>
+              </a:rPr>
+              <a:t>SUM</a:t>
+            </a:r>
+            <a:r>
+              <a:rPr lang="en-US" dirty="0">
+                <a:latin typeface="Consolas" panose="020B0609020204030204" pitchFamily="49" charset="0"/>
+              </a:rPr>
+              <a:t>(FactSales[</a:t>
+            </a:r>
+            <a:r>
+              <a:rPr lang="en-US" dirty="0" err="1">
+                <a:latin typeface="Consolas" panose="020B0609020204030204" pitchFamily="49" charset="0"/>
+              </a:rPr>
+              <a:t>SalesAmount</a:t>
+            </a:r>
+            <a:r>
+              <a:rPr lang="en-US" dirty="0">
+                <a:latin typeface="Consolas" panose="020B0609020204030204" pitchFamily="49" charset="0"/>
+              </a:rPr>
+              <a:t>]) -</a:t>
+            </a:r>
+            <a:r>
+              <a:rPr lang="en-US" b="1" dirty="0">
+                <a:latin typeface="Consolas" panose="020B0609020204030204" pitchFamily="49" charset="0"/>
+              </a:rPr>
+              <a:t>SUMX</a:t>
+            </a:r>
+            <a:r>
+              <a:rPr lang="en-US" dirty="0">
+                <a:latin typeface="Consolas" panose="020B0609020204030204" pitchFamily="49" charset="0"/>
+              </a:rPr>
+              <a:t>(</a:t>
+            </a:r>
+            <a:r>
+              <a:rPr lang="en-US" dirty="0" err="1">
+                <a:latin typeface="Consolas" panose="020B0609020204030204" pitchFamily="49" charset="0"/>
+              </a:rPr>
+              <a:t>FactSales,FactSales</a:t>
+            </a:r>
+            <a:r>
+              <a:rPr lang="en-US" dirty="0">
+                <a:latin typeface="Consolas" panose="020B0609020204030204" pitchFamily="49" charset="0"/>
+              </a:rPr>
+              <a:t>[</a:t>
+            </a:r>
+            <a:r>
+              <a:rPr lang="en-US" dirty="0" err="1">
+                <a:latin typeface="Consolas" panose="020B0609020204030204" pitchFamily="49" charset="0"/>
+              </a:rPr>
+              <a:t>SalesQuantity</a:t>
+            </a:r>
+            <a:r>
+              <a:rPr lang="en-US" dirty="0">
+                <a:latin typeface="Consolas" panose="020B0609020204030204" pitchFamily="49" charset="0"/>
+              </a:rPr>
+              <a:t>]*FactSales[</a:t>
+            </a:r>
+            <a:r>
+              <a:rPr lang="en-US" dirty="0" err="1">
+                <a:latin typeface="Consolas" panose="020B0609020204030204" pitchFamily="49" charset="0"/>
+              </a:rPr>
+              <a:t>UnitCost</a:t>
+            </a:r>
+            <a:r>
+              <a:rPr lang="en-US" dirty="0">
+                <a:latin typeface="Consolas" panose="020B0609020204030204" pitchFamily="49" charset="0"/>
+              </a:rPr>
+              <a:t>])</a:t>
+            </a:r>
+            <a:endParaRPr lang="en-US" b="0" dirty="0">
+              <a:effectLst/>
+              <a:latin typeface="Consolas" panose="020B0609020204030204" pitchFamily="49" charset="0"/>
+            </a:endParaRPr>
+          </a:p>
+        </p:txBody>
+      </p:sp>
+      <p:cxnSp>
+        <p:nvCxnSpPr>
+          <p:cNvPr id="5" name="Straight Arrow Connector 4"/>
+          <p:cNvCxnSpPr/>
+          <p:nvPr/>
+        </p:nvCxnSpPr>
+        <p:spPr>
+          <a:xfrm>
+            <a:off x="2614704" y="1154062"/>
+            <a:ext cx="0" cy="234559"/>
+          </a:xfrm>
+          <a:prstGeom prst="straightConnector1">
+            <a:avLst/>
+          </a:prstGeom>
+          <a:ln w="38100">
+            <a:solidFill>
+              <a:srgbClr val="FF0000"/>
+            </a:solidFill>
+            <a:tailEnd type="triangle"/>
+          </a:ln>
+        </p:spPr>
+        <p:style>
+          <a:lnRef idx="3">
+            <a:schemeClr val="accent2"/>
+          </a:lnRef>
+          <a:fillRef idx="0">
+            <a:schemeClr val="accent2"/>
+          </a:fillRef>
+          <a:effectRef idx="2">
+            <a:schemeClr val="accent2"/>
+          </a:effectRef>
+          <a:fontRef idx="minor">
+            <a:schemeClr val="tx1"/>
+          </a:fontRef>
+        </p:style>
+      </p:cxnSp>
+      <p:cxnSp>
+        <p:nvCxnSpPr>
+          <p:cNvPr id="9" name="Straight Arrow Connector 8"/>
+          <p:cNvCxnSpPr/>
+          <p:nvPr/>
+        </p:nvCxnSpPr>
+        <p:spPr>
+          <a:xfrm>
+            <a:off x="732048" y="1486050"/>
+            <a:ext cx="0" cy="234559"/>
+          </a:xfrm>
+          <a:prstGeom prst="straightConnector1">
+            <a:avLst/>
+          </a:prstGeom>
+          <a:ln w="38100">
+            <a:solidFill>
+              <a:srgbClr val="FF0000"/>
+            </a:solidFill>
+            <a:tailEnd type="triangle"/>
+          </a:ln>
+        </p:spPr>
+        <p:style>
+          <a:lnRef idx="3">
+            <a:schemeClr val="accent2"/>
+          </a:lnRef>
+          <a:fillRef idx="0">
+            <a:schemeClr val="accent2"/>
+          </a:fillRef>
+          <a:effectRef idx="2">
+            <a:schemeClr val="accent2"/>
+          </a:effectRef>
+          <a:fontRef idx="minor">
+            <a:schemeClr val="tx1"/>
+          </a:fontRef>
+        </p:style>
+      </p:cxnSp>
     </p:spTree>
     <p:extLst>
       <p:ext uri="{BB962C8B-B14F-4D97-AF65-F5344CB8AC3E}">
@@ -5199,7 +5466,7 @@
         <p:spPr>
           <a:xfrm>
             <a:off x="237325" y="174503"/>
-            <a:ext cx="4361259" cy="461665"/>
+            <a:ext cx="4590103" cy="461665"/>
           </a:xfrm>
           <a:prstGeom prst="rect">
             <a:avLst/>
@@ -5213,218 +5480,59 @@
           <a:lstStyle/>
           <a:p>
             <a:r>
-              <a:rPr lang="en-US" sz="2400" dirty="0" err="1" smtClean="0">
+              <a:rPr lang="en-US" sz="2400" b="1" dirty="0" err="1" smtClean="0">
                 <a:latin typeface="Segoe UI" panose="020B0502040204020203" pitchFamily="34" charset="0"/>
                 <a:cs typeface="Segoe UI" panose="020B0502040204020203" pitchFamily="34" charset="0"/>
               </a:rPr>
               <a:t>Mesures</a:t>
             </a:r>
             <a:r>
-              <a:rPr lang="en-US" sz="2400" dirty="0" smtClean="0">
+              <a:rPr lang="en-US" sz="2400" b="1" dirty="0" smtClean="0">
                 <a:latin typeface="Segoe UI" panose="020B0502040204020203" pitchFamily="34" charset="0"/>
                 <a:cs typeface="Segoe UI" panose="020B0502040204020203" pitchFamily="34" charset="0"/>
               </a:rPr>
               <a:t> et </a:t>
             </a:r>
             <a:r>
-              <a:rPr lang="en-US" sz="2400" dirty="0" err="1" smtClean="0">
+              <a:rPr lang="en-US" sz="2400" b="1" dirty="0" err="1" smtClean="0">
                 <a:latin typeface="Segoe UI" panose="020B0502040204020203" pitchFamily="34" charset="0"/>
                 <a:cs typeface="Segoe UI" panose="020B0502040204020203" pitchFamily="34" charset="0"/>
               </a:rPr>
               <a:t>colonnes</a:t>
             </a:r>
             <a:r>
-              <a:rPr lang="en-US" sz="2400" dirty="0" smtClean="0">
+              <a:rPr lang="en-US" sz="2400" b="1" dirty="0" smtClean="0">
                 <a:latin typeface="Segoe UI" panose="020B0502040204020203" pitchFamily="34" charset="0"/>
                 <a:cs typeface="Segoe UI" panose="020B0502040204020203" pitchFamily="34" charset="0"/>
               </a:rPr>
               <a:t>  </a:t>
             </a:r>
             <a:r>
-              <a:rPr lang="en-US" sz="2400" dirty="0" err="1" smtClean="0">
+              <a:rPr lang="en-US" sz="2400" b="1" dirty="0" err="1" smtClean="0">
                 <a:latin typeface="Segoe UI" panose="020B0502040204020203" pitchFamily="34" charset="0"/>
                 <a:cs typeface="Segoe UI" panose="020B0502040204020203" pitchFamily="34" charset="0"/>
               </a:rPr>
               <a:t>calculées</a:t>
             </a:r>
-            <a:endParaRPr lang="en-US" sz="2400" dirty="0">
+            <a:endParaRPr lang="en-US" sz="2400" b="1" dirty="0">
               <a:latin typeface="Segoe UI" panose="020B0502040204020203" pitchFamily="34" charset="0"/>
               <a:cs typeface="Segoe UI" panose="020B0502040204020203" pitchFamily="34" charset="0"/>
             </a:endParaRPr>
           </a:p>
         </p:txBody>
       </p:sp>
-      <p:pic>
-        <p:nvPicPr>
-          <p:cNvPr id="12" name="Picture 11"/>
-          <p:cNvPicPr/>
+      <p:sp>
+        <p:nvSpPr>
+          <p:cNvPr id="6" name="Rectangle 1"/>
+          <p:cNvSpPr>
+            <a:spLocks noChangeArrowheads="1"/>
+          </p:cNvSpPr>
           <p:nvPr/>
-        </p:nvPicPr>
-        <p:blipFill>
-          <a:blip r:embed="rId3">
-            <a:extLst>
-              <a:ext uri="{28A0092B-C50C-407E-A947-70E740481C1C}">
-                <a14:useLocalDpi xmlns:a14="http://schemas.microsoft.com/office/drawing/2010/main" val="0"/>
-              </a:ext>
-            </a:extLst>
-          </a:blip>
-          <a:srcRect/>
-          <a:stretch>
-            <a:fillRect/>
-          </a:stretch>
-        </p:blipFill>
+        </p:nvSpPr>
         <p:spPr bwMode="auto">
           <a:xfrm>
-            <a:off x="4344770" y="2197183"/>
-            <a:ext cx="4641802" cy="4174582"/>
-          </a:xfrm>
-          <a:prstGeom prst="rect">
-            <a:avLst/>
-          </a:prstGeom>
-          <a:ln>
-            <a:noFill/>
-          </a:ln>
-          <a:effectLst>
-            <a:outerShdw blurRad="292100" dist="139700" dir="2700000" algn="tl" rotWithShape="0">
-              <a:srgbClr val="333333">
-                <a:alpha val="65000"/>
-              </a:srgbClr>
-            </a:outerShdw>
-          </a:effectLst>
-        </p:spPr>
-      </p:pic>
-      <p:pic>
-        <p:nvPicPr>
-          <p:cNvPr id="7" name="Picture 6"/>
-          <p:cNvPicPr>
-            <a:picLocks noChangeAspect="1"/>
-          </p:cNvPicPr>
-          <p:nvPr/>
-        </p:nvPicPr>
-        <p:blipFill>
-          <a:blip r:embed="rId4"/>
-          <a:stretch>
-            <a:fillRect/>
-          </a:stretch>
-        </p:blipFill>
-        <p:spPr>
-          <a:xfrm>
-            <a:off x="344465" y="2243384"/>
-            <a:ext cx="3529703" cy="4128381"/>
-          </a:xfrm>
-          <a:prstGeom prst="rect">
-            <a:avLst/>
-          </a:prstGeom>
-        </p:spPr>
-      </p:pic>
-      <p:sp>
-        <p:nvSpPr>
-          <p:cNvPr id="13" name="Rectangle 12"/>
-          <p:cNvSpPr/>
-          <p:nvPr/>
-        </p:nvSpPr>
-        <p:spPr>
-          <a:xfrm>
-            <a:off x="474388" y="4180114"/>
-            <a:ext cx="343759" cy="371260"/>
-          </a:xfrm>
-          <a:prstGeom prst="rect">
-            <a:avLst/>
-          </a:prstGeom>
-          <a:solidFill>
-            <a:srgbClr val="FF0000">
-              <a:alpha val="27000"/>
-            </a:srgbClr>
-          </a:solidFill>
-          <a:ln>
-            <a:noFill/>
-          </a:ln>
-        </p:spPr>
-        <p:style>
-          <a:lnRef idx="2">
-            <a:schemeClr val="accent1">
-              <a:shade val="50000"/>
-            </a:schemeClr>
-          </a:lnRef>
-          <a:fillRef idx="1">
-            <a:schemeClr val="accent1"/>
-          </a:fillRef>
-          <a:effectRef idx="0">
-            <a:schemeClr val="accent1"/>
-          </a:effectRef>
-          <a:fontRef idx="minor">
-            <a:schemeClr val="lt1"/>
-          </a:fontRef>
-        </p:style>
-        <p:txBody>
-          <a:bodyPr rtlCol="0" anchor="ctr"/>
-          <a:lstStyle/>
-          <a:p>
-            <a:pPr algn="ctr"/>
-            <a:endParaRPr lang="en-US"/>
-          </a:p>
-        </p:txBody>
-      </p:sp>
-      <p:sp>
-        <p:nvSpPr>
-          <p:cNvPr id="14" name="Rectangle 13"/>
-          <p:cNvSpPr/>
-          <p:nvPr/>
-        </p:nvSpPr>
-        <p:spPr>
-          <a:xfrm>
-            <a:off x="474387" y="5370667"/>
-            <a:ext cx="3327592" cy="933880"/>
-          </a:xfrm>
-          <a:prstGeom prst="rect">
-            <a:avLst/>
-          </a:prstGeom>
-          <a:solidFill>
-            <a:srgbClr val="FF0000">
-              <a:alpha val="27000"/>
-            </a:srgbClr>
-          </a:solidFill>
-          <a:ln>
-            <a:noFill/>
-          </a:ln>
-        </p:spPr>
-        <p:style>
-          <a:lnRef idx="2">
-            <a:schemeClr val="accent1">
-              <a:shade val="50000"/>
-            </a:schemeClr>
-          </a:lnRef>
-          <a:fillRef idx="1">
-            <a:schemeClr val="accent1"/>
-          </a:fillRef>
-          <a:effectRef idx="0">
-            <a:schemeClr val="accent1"/>
-          </a:effectRef>
-          <a:fontRef idx="minor">
-            <a:schemeClr val="lt1"/>
-          </a:fontRef>
-        </p:style>
-        <p:txBody>
-          <a:bodyPr rtlCol="0" anchor="ctr"/>
-          <a:lstStyle/>
-          <a:p>
-            <a:pPr algn="ctr"/>
-            <a:endParaRPr lang="en-US"/>
-          </a:p>
-        </p:txBody>
-      </p:sp>
-      <p:sp>
-        <p:nvSpPr>
-          <p:cNvPr id="6" name="Rectangle 1"/>
-          <p:cNvSpPr>
-            <a:spLocks noChangeArrowheads="1"/>
-          </p:cNvSpPr>
-          <p:nvPr/>
-        </p:nvSpPr>
-        <p:spPr bwMode="auto">
-          <a:xfrm>
-            <a:off x="237325" y="710345"/>
-            <a:ext cx="12091965" cy="400110"/>
+            <a:off x="237324" y="746359"/>
+            <a:ext cx="10706905" cy="369332"/>
           </a:xfrm>
           <a:prstGeom prst="rect">
             <a:avLst/>
@@ -5489,7 +5597,7 @@
               <a:tabLst/>
             </a:pPr>
             <a:r>
-              <a:rPr kumimoji="0" lang="en-US" altLang="en-US" sz="2000" b="0" i="0" u="none" strike="noStrike" cap="none" normalizeH="0" baseline="0" smtClean="0">
+              <a:rPr kumimoji="0" lang="fr-FR" altLang="en-US" b="0" i="0" u="none" strike="noStrike" cap="none" normalizeH="0" baseline="0" dirty="0" smtClean="0">
                 <a:ln>
                   <a:noFill/>
                 </a:ln>
@@ -5497,70 +5605,204 @@
                   <a:schemeClr val="tx1"/>
                 </a:solidFill>
                 <a:effectLst/>
-                <a:latin typeface="Arial" panose="020B0604020202020204" pitchFamily="34" charset="0"/>
+                <a:latin typeface="Segoe UI" panose="020B0502040204020203" pitchFamily="34" charset="0"/>
+                <a:cs typeface="Segoe UI" panose="020B0502040204020203" pitchFamily="34" charset="0"/>
               </a:rPr>
               <a:t>Notez que la mesure n'apparaît pas comme une colonne calculée car la portée diffère dans les deux cas.</a:t>
             </a:r>
-          </a:p>
-        </p:txBody>
-      </p:sp>
-      <p:sp>
-        <p:nvSpPr>
-          <p:cNvPr id="8" name="Rectangle 7"/>
-          <p:cNvSpPr/>
+            <a:endParaRPr kumimoji="0" lang="fr-FR" altLang="en-US" b="0" i="0" u="none" strike="noStrike" cap="none" normalizeH="0" baseline="0" dirty="0" smtClean="0">
+              <a:ln>
+                <a:noFill/>
+              </a:ln>
+              <a:solidFill>
+                <a:schemeClr val="tx1"/>
+              </a:solidFill>
+              <a:effectLst/>
+              <a:latin typeface="Segoe UI" panose="020B0502040204020203" pitchFamily="34" charset="0"/>
+              <a:cs typeface="Segoe UI" panose="020B0502040204020203" pitchFamily="34" charset="0"/>
+            </a:endParaRPr>
+          </a:p>
+        </p:txBody>
+      </p:sp>
+      <p:sp>
+        <p:nvSpPr>
+          <p:cNvPr id="9" name="Rectangle 1"/>
+          <p:cNvSpPr>
+            <a:spLocks noChangeArrowheads="1"/>
+          </p:cNvSpPr>
           <p:nvPr/>
         </p:nvSpPr>
-        <p:spPr>
-          <a:xfrm>
-            <a:off x="237324" y="1196936"/>
-            <a:ext cx="11684251" cy="707886"/>
+        <p:spPr bwMode="auto">
+          <a:xfrm>
+            <a:off x="237323" y="1225882"/>
+            <a:ext cx="10804229" cy="369332"/>
           </a:xfrm>
           <a:prstGeom prst="rect">
             <a:avLst/>
           </a:prstGeom>
-        </p:spPr>
-        <p:txBody>
-          <a:bodyPr wrap="square">
+          <a:noFill/>
+          <a:ln>
+            <a:noFill/>
+          </a:ln>
+          <a:effectLst/>
+          <a:extLst>
+            <a:ext uri="{909E8E84-426E-40DD-AFC4-6F175D3DCCD1}">
+              <a14:hiddenFill xmlns:a14="http://schemas.microsoft.com/office/drawing/2010/main">
+                <a:solidFill>
+                  <a:schemeClr val="accent1"/>
+                </a:solidFill>
+              </a14:hiddenFill>
+            </a:ext>
+            <a:ext uri="{91240B29-F687-4F45-9708-019B960494DF}">
+              <a14:hiddenLine xmlns:a14="http://schemas.microsoft.com/office/drawing/2010/main" w="9525">
+                <a:solidFill>
+                  <a:schemeClr val="tx1"/>
+                </a:solidFill>
+                <a:miter lim="800000"/>
+                <a:headEnd/>
+                <a:tailEnd/>
+              </a14:hiddenLine>
+            </a:ext>
+            <a:ext uri="{AF507438-7753-43E0-B8FC-AC1667EBCBE1}">
+              <a14:hiddenEffects xmlns:a14="http://schemas.microsoft.com/office/drawing/2010/main">
+                <a:effectLst>
+                  <a:outerShdw dist="35921" dir="2700000" algn="ctr" rotWithShape="0">
+                    <a:schemeClr val="bg2"/>
+                  </a:outerShdw>
+                </a:effectLst>
+              </a14:hiddenEffects>
+            </a:ext>
+          </a:extLst>
+        </p:spPr>
+        <p:txBody>
+          <a:bodyPr vert="horz" wrap="square" lIns="91440" tIns="45720" rIns="91440" bIns="45720" numCol="1" anchor="ctr" anchorCtr="0" compatLnSpc="1">
+            <a:prstTxWarp prst="textNoShape">
+              <a:avLst/>
+            </a:prstTxWarp>
             <a:spAutoFit/>
           </a:bodyPr>
           <a:lstStyle/>
           <a:p>
-            <a:r>
-              <a:rPr lang="fr-FR" sz="2000" dirty="0"/>
-              <a:t>Retournez sur la scène, ajoutez une visualisation de type Table et ajoutez </a:t>
-            </a:r>
-            <a:r>
-              <a:rPr lang="fr-FR" sz="2000" b="1" dirty="0" err="1"/>
-              <a:t>Year</a:t>
-            </a:r>
-            <a:r>
-              <a:rPr lang="fr-FR" sz="2000" dirty="0"/>
-              <a:t> et </a:t>
-            </a:r>
-            <a:r>
-              <a:rPr lang="fr-FR" sz="2000" b="1" dirty="0" err="1"/>
-              <a:t>MonthName</a:t>
-            </a:r>
-            <a:r>
-              <a:rPr lang="fr-FR" sz="2000" dirty="0"/>
-              <a:t> respectivement ainsi que </a:t>
-            </a:r>
-            <a:r>
-              <a:rPr lang="fr-FR" sz="2000" b="1" dirty="0"/>
-              <a:t>Total Profit </a:t>
-            </a:r>
-            <a:r>
-              <a:rPr lang="fr-FR" sz="2000" dirty="0"/>
-              <a:t>dans le paramètre Colonnes et observez le changement de la visualisation.</a:t>
-            </a:r>
-            <a:endParaRPr lang="en-US" sz="2000" dirty="0"/>
-          </a:p>
-        </p:txBody>
-      </p:sp>
+            <a:pPr lvl="0" eaLnBrk="0" fontAlgn="base" hangingPunct="0">
+              <a:spcBef>
+                <a:spcPct val="0"/>
+              </a:spcBef>
+              <a:spcAft>
+                <a:spcPct val="0"/>
+              </a:spcAft>
+            </a:pPr>
+            <a:r>
+              <a:rPr lang="fr-FR" altLang="en-US" dirty="0" smtClean="0">
+                <a:latin typeface="Segoe UI" panose="020B0502040204020203" pitchFamily="34" charset="0"/>
+                <a:cs typeface="Segoe UI" panose="020B0502040204020203" pitchFamily="34" charset="0"/>
+              </a:rPr>
+              <a:t>Ajoutez la dimension </a:t>
+            </a:r>
+            <a:r>
+              <a:rPr lang="fr-FR" altLang="en-US" b="1" dirty="0" err="1" smtClean="0">
+                <a:latin typeface="Segoe UI" panose="020B0502040204020203" pitchFamily="34" charset="0"/>
+                <a:cs typeface="Segoe UI" panose="020B0502040204020203" pitchFamily="34" charset="0"/>
+              </a:rPr>
+              <a:t>DimDate</a:t>
+            </a:r>
+            <a:r>
+              <a:rPr lang="fr-FR" altLang="en-US" b="1" dirty="0" smtClean="0">
+                <a:latin typeface="Segoe UI" panose="020B0502040204020203" pitchFamily="34" charset="0"/>
+                <a:cs typeface="Segoe UI" panose="020B0502040204020203" pitchFamily="34" charset="0"/>
+              </a:rPr>
+              <a:t> </a:t>
+            </a:r>
+            <a:r>
+              <a:rPr lang="fr-FR" altLang="en-US" dirty="0" smtClean="0">
+                <a:latin typeface="Segoe UI" panose="020B0502040204020203" pitchFamily="34" charset="0"/>
+                <a:cs typeface="Segoe UI" panose="020B0502040204020203" pitchFamily="34" charset="0"/>
+              </a:rPr>
+              <a:t>du fichier </a:t>
+            </a:r>
+            <a:r>
+              <a:rPr lang="fr-FR" altLang="en-US" b="1" dirty="0" smtClean="0">
+                <a:latin typeface="Segoe UI" panose="020B0502040204020203" pitchFamily="34" charset="0"/>
+                <a:cs typeface="Segoe UI" panose="020B0502040204020203" pitchFamily="34" charset="0"/>
+              </a:rPr>
+              <a:t>DimDate.csv </a:t>
+            </a:r>
+            <a:r>
+              <a:rPr lang="fr-FR" altLang="en-US" dirty="0" smtClean="0">
+                <a:latin typeface="Segoe UI" panose="020B0502040204020203" pitchFamily="34" charset="0"/>
+                <a:cs typeface="Segoe UI" panose="020B0502040204020203" pitchFamily="34" charset="0"/>
+              </a:rPr>
+              <a:t>et vérifiez la relation entre </a:t>
+            </a:r>
+            <a:r>
+              <a:rPr lang="fr-FR" altLang="en-US" b="1" dirty="0" err="1" smtClean="0">
+                <a:latin typeface="Segoe UI" panose="020B0502040204020203" pitchFamily="34" charset="0"/>
+                <a:cs typeface="Segoe UI" panose="020B0502040204020203" pitchFamily="34" charset="0"/>
+              </a:rPr>
+              <a:t>DimDate</a:t>
+            </a:r>
+            <a:r>
+              <a:rPr lang="fr-FR" altLang="en-US" b="1" dirty="0" smtClean="0">
+                <a:latin typeface="Segoe UI" panose="020B0502040204020203" pitchFamily="34" charset="0"/>
+                <a:cs typeface="Segoe UI" panose="020B0502040204020203" pitchFamily="34" charset="0"/>
+              </a:rPr>
+              <a:t> </a:t>
+            </a:r>
+            <a:r>
+              <a:rPr lang="fr-FR" altLang="en-US" dirty="0" smtClean="0">
+                <a:latin typeface="Segoe UI" panose="020B0502040204020203" pitchFamily="34" charset="0"/>
+                <a:cs typeface="Segoe UI" panose="020B0502040204020203" pitchFamily="34" charset="0"/>
+              </a:rPr>
+              <a:t>et</a:t>
+            </a:r>
+            <a:r>
+              <a:rPr lang="fr-FR" altLang="en-US" b="1" dirty="0" smtClean="0">
+                <a:latin typeface="Segoe UI" panose="020B0502040204020203" pitchFamily="34" charset="0"/>
+                <a:cs typeface="Segoe UI" panose="020B0502040204020203" pitchFamily="34" charset="0"/>
+              </a:rPr>
+              <a:t> FactSales</a:t>
+            </a:r>
+            <a:endParaRPr kumimoji="0" lang="fr-FR" altLang="en-US" b="0" i="0" u="none" strike="noStrike" cap="none" normalizeH="0" baseline="0" dirty="0" smtClean="0">
+              <a:ln>
+                <a:noFill/>
+              </a:ln>
+              <a:solidFill>
+                <a:schemeClr val="tx1"/>
+              </a:solidFill>
+              <a:effectLst/>
+              <a:latin typeface="Segoe UI" panose="020B0502040204020203" pitchFamily="34" charset="0"/>
+              <a:cs typeface="Segoe UI" panose="020B0502040204020203" pitchFamily="34" charset="0"/>
+            </a:endParaRPr>
+          </a:p>
+        </p:txBody>
+      </p:sp>
+      <p:pic>
+        <p:nvPicPr>
+          <p:cNvPr id="3" name="Picture 2"/>
+          <p:cNvPicPr>
+            <a:picLocks noChangeAspect="1"/>
+          </p:cNvPicPr>
+          <p:nvPr/>
+        </p:nvPicPr>
+        <p:blipFill>
+          <a:blip r:embed="rId3"/>
+          <a:stretch>
+            <a:fillRect/>
+          </a:stretch>
+        </p:blipFill>
+        <p:spPr>
+          <a:xfrm>
+            <a:off x="2456749" y="1950713"/>
+            <a:ext cx="6735115" cy="3286584"/>
+          </a:xfrm>
+          <a:prstGeom prst="rect">
+            <a:avLst/>
+          </a:prstGeom>
+        </p:spPr>
+      </p:pic>
     </p:spTree>
     <p:extLst>
       <p:ext uri="{BB962C8B-B14F-4D97-AF65-F5344CB8AC3E}">
-        <p14:creationId xmlns:p14="http://schemas.microsoft.com/office/powerpoint/2010/main" val="1497367745"/>
+        <p14:creationId xmlns:p14="http://schemas.microsoft.com/office/powerpoint/2010/main" val="2079980414"/>
       </p:ext>
     </p:extLst>
   </p:cSld>
@@ -5573,14 +5815,6 @@
 <file path=ppt/slides/slide7.xml><?xml version="1.0" encoding="utf-8"?>
 <p:sld xmlns:a="http://schemas.openxmlformats.org/drawingml/2006/main" xmlns:r="http://schemas.openxmlformats.org/officeDocument/2006/relationships" xmlns:p="http://schemas.openxmlformats.org/presentationml/2006/main">
   <p:cSld>
-    <p:bg>
-      <p:bgPr>
-        <a:solidFill>
-          <a:srgbClr val="FFC000"/>
-        </a:solidFill>
-        <a:effectLst/>
-      </p:bgPr>
-    </p:bg>
     <p:spTree>
       <p:nvGrpSpPr>
         <p:cNvPr id="1" name=""/>
@@ -5597,53 +5831,329 @@
       </p:grpSpPr>
       <p:sp>
         <p:nvSpPr>
-          <p:cNvPr id="2" name="AutoShape 2" descr="Minimalistic illustration in black and white on a white background with the text 'Thank You' elegantly styled below. The design features simple, clean icons such as a handshake or a ribbon to symbolize gratitude, with a professional and modern aesthetic suitable for a presentation closing slide."/>
-          <p:cNvSpPr>
-            <a:spLocks noChangeAspect="1" noChangeArrowheads="1"/>
-          </p:cNvSpPr>
+          <p:cNvPr id="2" name="TextBox 1"/>
+          <p:cNvSpPr txBox="1"/>
           <p:nvPr/>
         </p:nvSpPr>
-        <p:spPr bwMode="auto">
-          <a:xfrm>
-            <a:off x="155575" y="-144463"/>
-            <a:ext cx="304800" cy="304801"/>
+        <p:spPr>
+          <a:xfrm>
+            <a:off x="237325" y="174503"/>
+            <a:ext cx="4590103" cy="461665"/>
           </a:xfrm>
           <a:prstGeom prst="rect">
             <a:avLst/>
           </a:prstGeom>
           <a:noFill/>
-          <a:extLst>
-            <a:ext uri="{909E8E84-426E-40DD-AFC4-6F175D3DCCD1}">
-              <a14:hiddenFill xmlns:a14="http://schemas.microsoft.com/office/drawing/2010/main">
-                <a:solidFill>
-                  <a:srgbClr val="FFFFFF"/>
-                </a:solidFill>
-              </a14:hiddenFill>
-            </a:ext>
-          </a:extLst>
-        </p:spPr>
-        <p:txBody>
-          <a:bodyPr vert="horz" wrap="square" lIns="91440" tIns="45720" rIns="91440" bIns="45720" numCol="1" anchor="t" anchorCtr="0" compatLnSpc="1">
-            <a:prstTxWarp prst="textNoShape">
-              <a:avLst/>
-            </a:prstTxWarp>
+        </p:spPr>
+        <p:txBody>
+          <a:bodyPr wrap="none" rtlCol="0">
+            <a:spAutoFit/>
           </a:bodyPr>
           <a:lstStyle/>
           <a:p>
-            <a:endParaRPr lang="en-US"/>
-          </a:p>
-        </p:txBody>
-      </p:sp>
-      <p:sp>
-        <p:nvSpPr>
-          <p:cNvPr id="5" name="TextBox 4"/>
+            <a:r>
+              <a:rPr lang="en-US" sz="2400" b="1" dirty="0" err="1" smtClean="0">
+                <a:latin typeface="Segoe UI" panose="020B0502040204020203" pitchFamily="34" charset="0"/>
+                <a:cs typeface="Segoe UI" panose="020B0502040204020203" pitchFamily="34" charset="0"/>
+              </a:rPr>
+              <a:t>Mesures</a:t>
+            </a:r>
+            <a:r>
+              <a:rPr lang="en-US" sz="2400" b="1" dirty="0" smtClean="0">
+                <a:latin typeface="Segoe UI" panose="020B0502040204020203" pitchFamily="34" charset="0"/>
+                <a:cs typeface="Segoe UI" panose="020B0502040204020203" pitchFamily="34" charset="0"/>
+              </a:rPr>
+              <a:t> et </a:t>
+            </a:r>
+            <a:r>
+              <a:rPr lang="en-US" sz="2400" b="1" dirty="0" err="1" smtClean="0">
+                <a:latin typeface="Segoe UI" panose="020B0502040204020203" pitchFamily="34" charset="0"/>
+                <a:cs typeface="Segoe UI" panose="020B0502040204020203" pitchFamily="34" charset="0"/>
+              </a:rPr>
+              <a:t>colonnes</a:t>
+            </a:r>
+            <a:r>
+              <a:rPr lang="en-US" sz="2400" b="1" dirty="0" smtClean="0">
+                <a:latin typeface="Segoe UI" panose="020B0502040204020203" pitchFamily="34" charset="0"/>
+                <a:cs typeface="Segoe UI" panose="020B0502040204020203" pitchFamily="34" charset="0"/>
+              </a:rPr>
+              <a:t>  </a:t>
+            </a:r>
+            <a:r>
+              <a:rPr lang="en-US" sz="2400" b="1" dirty="0" err="1" smtClean="0">
+                <a:latin typeface="Segoe UI" panose="020B0502040204020203" pitchFamily="34" charset="0"/>
+                <a:cs typeface="Segoe UI" panose="020B0502040204020203" pitchFamily="34" charset="0"/>
+              </a:rPr>
+              <a:t>calculées</a:t>
+            </a:r>
+            <a:endParaRPr lang="en-US" sz="2400" b="1" dirty="0">
+              <a:latin typeface="Segoe UI" panose="020B0502040204020203" pitchFamily="34" charset="0"/>
+              <a:cs typeface="Segoe UI" panose="020B0502040204020203" pitchFamily="34" charset="0"/>
+            </a:endParaRPr>
+          </a:p>
+        </p:txBody>
+      </p:sp>
+      <p:pic>
+        <p:nvPicPr>
+          <p:cNvPr id="7" name="Picture 6"/>
+          <p:cNvPicPr>
+            <a:picLocks noChangeAspect="1"/>
+          </p:cNvPicPr>
+          <p:nvPr/>
+        </p:nvPicPr>
+        <p:blipFill>
+          <a:blip r:embed="rId3"/>
+          <a:stretch>
+            <a:fillRect/>
+          </a:stretch>
+        </p:blipFill>
+        <p:spPr>
+          <a:xfrm>
+            <a:off x="351340" y="1810247"/>
+            <a:ext cx="3529703" cy="4128381"/>
+          </a:xfrm>
+          <a:prstGeom prst="rect">
+            <a:avLst/>
+          </a:prstGeom>
+        </p:spPr>
+      </p:pic>
+      <p:sp>
+        <p:nvSpPr>
+          <p:cNvPr id="13" name="Rectangle 12"/>
+          <p:cNvSpPr/>
+          <p:nvPr/>
+        </p:nvSpPr>
+        <p:spPr>
+          <a:xfrm>
+            <a:off x="481263" y="3746977"/>
+            <a:ext cx="343759" cy="371260"/>
+          </a:xfrm>
+          <a:prstGeom prst="rect">
+            <a:avLst/>
+          </a:prstGeom>
+          <a:solidFill>
+            <a:srgbClr val="FF0000">
+              <a:alpha val="27000"/>
+            </a:srgbClr>
+          </a:solidFill>
+          <a:ln>
+            <a:noFill/>
+          </a:ln>
+        </p:spPr>
+        <p:style>
+          <a:lnRef idx="2">
+            <a:schemeClr val="accent1">
+              <a:shade val="50000"/>
+            </a:schemeClr>
+          </a:lnRef>
+          <a:fillRef idx="1">
+            <a:schemeClr val="accent1"/>
+          </a:fillRef>
+          <a:effectRef idx="0">
+            <a:schemeClr val="accent1"/>
+          </a:effectRef>
+          <a:fontRef idx="minor">
+            <a:schemeClr val="lt1"/>
+          </a:fontRef>
+        </p:style>
+        <p:txBody>
+          <a:bodyPr rtlCol="0" anchor="ctr"/>
+          <a:lstStyle/>
+          <a:p>
+            <a:pPr algn="ctr"/>
+            <a:endParaRPr lang="en-US"/>
+          </a:p>
+        </p:txBody>
+      </p:sp>
+      <p:sp>
+        <p:nvSpPr>
+          <p:cNvPr id="14" name="Rectangle 13"/>
+          <p:cNvSpPr/>
+          <p:nvPr/>
+        </p:nvSpPr>
+        <p:spPr>
+          <a:xfrm>
+            <a:off x="481262" y="4937530"/>
+            <a:ext cx="3327592" cy="933880"/>
+          </a:xfrm>
+          <a:prstGeom prst="rect">
+            <a:avLst/>
+          </a:prstGeom>
+          <a:solidFill>
+            <a:srgbClr val="FF0000">
+              <a:alpha val="27000"/>
+            </a:srgbClr>
+          </a:solidFill>
+          <a:ln>
+            <a:noFill/>
+          </a:ln>
+        </p:spPr>
+        <p:style>
+          <a:lnRef idx="2">
+            <a:schemeClr val="accent1">
+              <a:shade val="50000"/>
+            </a:schemeClr>
+          </a:lnRef>
+          <a:fillRef idx="1">
+            <a:schemeClr val="accent1"/>
+          </a:fillRef>
+          <a:effectRef idx="0">
+            <a:schemeClr val="accent1"/>
+          </a:effectRef>
+          <a:fontRef idx="minor">
+            <a:schemeClr val="lt1"/>
+          </a:fontRef>
+        </p:style>
+        <p:txBody>
+          <a:bodyPr rtlCol="0" anchor="ctr"/>
+          <a:lstStyle/>
+          <a:p>
+            <a:pPr algn="ctr"/>
+            <a:endParaRPr lang="en-US"/>
+          </a:p>
+        </p:txBody>
+      </p:sp>
+      <p:sp>
+        <p:nvSpPr>
+          <p:cNvPr id="8" name="Rectangle 7"/>
+          <p:cNvSpPr/>
+          <p:nvPr/>
+        </p:nvSpPr>
+        <p:spPr>
+          <a:xfrm>
+            <a:off x="237325" y="731559"/>
+            <a:ext cx="11684251" cy="646331"/>
+          </a:xfrm>
+          <a:prstGeom prst="rect">
+            <a:avLst/>
+          </a:prstGeom>
+        </p:spPr>
+        <p:txBody>
+          <a:bodyPr wrap="square">
+            <a:spAutoFit/>
+          </a:bodyPr>
+          <a:lstStyle/>
+          <a:p>
+            <a:r>
+              <a:rPr lang="fr-FR" dirty="0">
+                <a:latin typeface="Segoe UI" panose="020B0502040204020203" pitchFamily="34" charset="0"/>
+                <a:cs typeface="Segoe UI" panose="020B0502040204020203" pitchFamily="34" charset="0"/>
+              </a:rPr>
+              <a:t>Retournez sur la scène, ajoutez une visualisation de type Table et ajoutez </a:t>
+            </a:r>
+            <a:r>
+              <a:rPr lang="fr-FR" b="1" dirty="0" err="1">
+                <a:latin typeface="Segoe UI" panose="020B0502040204020203" pitchFamily="34" charset="0"/>
+                <a:cs typeface="Segoe UI" panose="020B0502040204020203" pitchFamily="34" charset="0"/>
+              </a:rPr>
+              <a:t>Year</a:t>
+            </a:r>
+            <a:r>
+              <a:rPr lang="fr-FR" dirty="0">
+                <a:latin typeface="Segoe UI" panose="020B0502040204020203" pitchFamily="34" charset="0"/>
+                <a:cs typeface="Segoe UI" panose="020B0502040204020203" pitchFamily="34" charset="0"/>
+              </a:rPr>
+              <a:t> et </a:t>
+            </a:r>
+            <a:r>
+              <a:rPr lang="fr-FR" b="1" dirty="0" err="1">
+                <a:latin typeface="Segoe UI" panose="020B0502040204020203" pitchFamily="34" charset="0"/>
+                <a:cs typeface="Segoe UI" panose="020B0502040204020203" pitchFamily="34" charset="0"/>
+              </a:rPr>
+              <a:t>MonthName</a:t>
+            </a:r>
+            <a:r>
+              <a:rPr lang="fr-FR" dirty="0">
+                <a:latin typeface="Segoe UI" panose="020B0502040204020203" pitchFamily="34" charset="0"/>
+                <a:cs typeface="Segoe UI" panose="020B0502040204020203" pitchFamily="34" charset="0"/>
+              </a:rPr>
+              <a:t> respectivement ainsi que </a:t>
+            </a:r>
+            <a:r>
+              <a:rPr lang="fr-FR" b="1" dirty="0">
+                <a:latin typeface="Segoe UI" panose="020B0502040204020203" pitchFamily="34" charset="0"/>
+                <a:cs typeface="Segoe UI" panose="020B0502040204020203" pitchFamily="34" charset="0"/>
+              </a:rPr>
+              <a:t>Total Profit </a:t>
+            </a:r>
+            <a:r>
+              <a:rPr lang="fr-FR" dirty="0">
+                <a:latin typeface="Segoe UI" panose="020B0502040204020203" pitchFamily="34" charset="0"/>
+                <a:cs typeface="Segoe UI" panose="020B0502040204020203" pitchFamily="34" charset="0"/>
+              </a:rPr>
+              <a:t>dans le paramètre Colonnes et observez le changement de la visualisation.</a:t>
+            </a:r>
+            <a:endParaRPr lang="en-US" dirty="0">
+              <a:latin typeface="Segoe UI" panose="020B0502040204020203" pitchFamily="34" charset="0"/>
+              <a:cs typeface="Segoe UI" panose="020B0502040204020203" pitchFamily="34" charset="0"/>
+            </a:endParaRPr>
+          </a:p>
+        </p:txBody>
+      </p:sp>
+      <p:pic>
+        <p:nvPicPr>
+          <p:cNvPr id="3" name="Picture 2"/>
+          <p:cNvPicPr>
+            <a:picLocks noChangeAspect="1"/>
+          </p:cNvPicPr>
+          <p:nvPr/>
+        </p:nvPicPr>
+        <p:blipFill>
+          <a:blip r:embed="rId4"/>
+          <a:stretch>
+            <a:fillRect/>
+          </a:stretch>
+        </p:blipFill>
+        <p:spPr>
+          <a:xfrm>
+            <a:off x="4187277" y="1775087"/>
+            <a:ext cx="4601217" cy="4096322"/>
+          </a:xfrm>
+          <a:prstGeom prst="rect">
+            <a:avLst/>
+          </a:prstGeom>
+        </p:spPr>
+      </p:pic>
+    </p:spTree>
+    <p:extLst>
+      <p:ext uri="{BB962C8B-B14F-4D97-AF65-F5344CB8AC3E}">
+        <p14:creationId xmlns:p14="http://schemas.microsoft.com/office/powerpoint/2010/main" val="1497367745"/>
+      </p:ext>
+    </p:extLst>
+  </p:cSld>
+  <p:clrMapOvr>
+    <a:masterClrMapping/>
+  </p:clrMapOvr>
+</p:sld>
+</file>
+
+<file path=ppt/slides/slide8.xml><?xml version="1.0" encoding="utf-8"?>
+<p:sld xmlns:a="http://schemas.openxmlformats.org/drawingml/2006/main" xmlns:r="http://schemas.openxmlformats.org/officeDocument/2006/relationships" xmlns:p="http://schemas.openxmlformats.org/presentationml/2006/main">
+  <p:cSld>
+    <p:spTree>
+      <p:nvGrpSpPr>
+        <p:cNvPr id="1" name=""/>
+        <p:cNvGrpSpPr/>
+        <p:nvPr/>
+      </p:nvGrpSpPr>
+      <p:grpSpPr>
+        <a:xfrm>
+          <a:off x="0" y="0"/>
+          <a:ext cx="0" cy="0"/>
+          <a:chOff x="0" y="0"/>
+          <a:chExt cx="0" cy="0"/>
+        </a:xfrm>
+      </p:grpSpPr>
+      <p:sp>
+        <p:nvSpPr>
+          <p:cNvPr id="2" name="TextBox 1"/>
           <p:cNvSpPr txBox="1"/>
           <p:nvPr/>
         </p:nvSpPr>
         <p:spPr>
           <a:xfrm>
-            <a:off x="2916199" y="2162433"/>
-            <a:ext cx="6230360" cy="1569660"/>
+            <a:off x="237325" y="174503"/>
+            <a:ext cx="4590103" cy="461665"/>
           </a:xfrm>
           <a:prstGeom prst="rect">
             <a:avLst/>
@@ -5657,22 +6167,42 @@
           <a:lstStyle/>
           <a:p>
             <a:r>
-              <a:rPr lang="en-US" sz="9600" b="1" dirty="0" smtClean="0">
-                <a:solidFill>
-                  <a:srgbClr val="7030A0"/>
-                </a:solidFill>
-                <a:latin typeface="Segoe UI" panose="020B0502040204020203" pitchFamily="34" charset="0"/>
-                <a:ea typeface="Verdana" panose="020B0604030504040204" pitchFamily="34" charset="0"/>
-                <a:cs typeface="Segoe UI" panose="020B0502040204020203" pitchFamily="34" charset="0"/>
-              </a:rPr>
-              <a:t>Thank you</a:t>
-            </a:r>
-            <a:endParaRPr lang="en-US" sz="9600" b="1" dirty="0">
-              <a:solidFill>
-                <a:srgbClr val="7030A0"/>
-              </a:solidFill>
+              <a:rPr lang="en-US" sz="2400" b="1" dirty="0" err="1" smtClean="0">
+                <a:latin typeface="Segoe UI" panose="020B0502040204020203" pitchFamily="34" charset="0"/>
+                <a:cs typeface="Segoe UI" panose="020B0502040204020203" pitchFamily="34" charset="0"/>
+              </a:rPr>
+              <a:t>Mesures</a:t>
+            </a:r>
+            <a:r>
+              <a:rPr lang="en-US" sz="2400" b="1" dirty="0" smtClean="0">
+                <a:latin typeface="Segoe UI" panose="020B0502040204020203" pitchFamily="34" charset="0"/>
+                <a:cs typeface="Segoe UI" panose="020B0502040204020203" pitchFamily="34" charset="0"/>
+              </a:rPr>
+              <a:t> et </a:t>
+            </a:r>
+            <a:r>
+              <a:rPr lang="en-US" sz="2400" b="1" dirty="0" err="1" smtClean="0">
+                <a:latin typeface="Segoe UI" panose="020B0502040204020203" pitchFamily="34" charset="0"/>
+                <a:cs typeface="Segoe UI" panose="020B0502040204020203" pitchFamily="34" charset="0"/>
+              </a:rPr>
+              <a:t>colonnes</a:t>
+            </a:r>
+            <a:r>
+              <a:rPr lang="en-US" sz="2400" b="1" dirty="0" smtClean="0">
+                <a:latin typeface="Segoe UI" panose="020B0502040204020203" pitchFamily="34" charset="0"/>
+                <a:cs typeface="Segoe UI" panose="020B0502040204020203" pitchFamily="34" charset="0"/>
+              </a:rPr>
+              <a:t>  </a:t>
+            </a:r>
+            <a:r>
+              <a:rPr lang="en-US" sz="2400" b="1" dirty="0" err="1" smtClean="0">
+                <a:latin typeface="Segoe UI" panose="020B0502040204020203" pitchFamily="34" charset="0"/>
+                <a:cs typeface="Segoe UI" panose="020B0502040204020203" pitchFamily="34" charset="0"/>
+              </a:rPr>
+              <a:t>calculées</a:t>
+            </a:r>
+            <a:endParaRPr lang="en-US" sz="2400" b="1" dirty="0">
               <a:latin typeface="Segoe UI" panose="020B0502040204020203" pitchFamily="34" charset="0"/>
-              <a:ea typeface="Verdana" panose="020B0604030504040204" pitchFamily="34" charset="0"/>
               <a:cs typeface="Segoe UI" panose="020B0502040204020203" pitchFamily="34" charset="0"/>
             </a:endParaRPr>
           </a:p>
@@ -5680,14 +6210,176 @@
       </p:sp>
       <p:sp>
         <p:nvSpPr>
-          <p:cNvPr id="6" name="TextBox 5"/>
+          <p:cNvPr id="8" name="Rectangle 7"/>
+          <p:cNvSpPr/>
+          <p:nvPr/>
+        </p:nvSpPr>
+        <p:spPr>
+          <a:xfrm>
+            <a:off x="292327" y="752185"/>
+            <a:ext cx="11684251" cy="369332"/>
+          </a:xfrm>
+          <a:prstGeom prst="rect">
+            <a:avLst/>
+          </a:prstGeom>
+        </p:spPr>
+        <p:txBody>
+          <a:bodyPr wrap="square">
+            <a:spAutoFit/>
+          </a:bodyPr>
+          <a:lstStyle/>
+          <a:p>
+            <a:r>
+              <a:rPr lang="fr-FR" dirty="0" smtClean="0">
+                <a:latin typeface="Segoe UI" panose="020B0502040204020203" pitchFamily="34" charset="0"/>
+                <a:cs typeface="Segoe UI" panose="020B0502040204020203" pitchFamily="34" charset="0"/>
+              </a:rPr>
+              <a:t>Ajoutez un visuel </a:t>
+            </a:r>
+            <a:r>
+              <a:rPr lang="fr-FR" b="1" dirty="0" err="1" smtClean="0">
+                <a:latin typeface="Segoe UI" panose="020B0502040204020203" pitchFamily="34" charset="0"/>
+                <a:cs typeface="Segoe UI" panose="020B0502040204020203" pitchFamily="34" charset="0"/>
+              </a:rPr>
+              <a:t>Card</a:t>
+            </a:r>
+            <a:r>
+              <a:rPr lang="fr-FR" dirty="0" smtClean="0">
+                <a:latin typeface="Segoe UI" panose="020B0502040204020203" pitchFamily="34" charset="0"/>
+                <a:cs typeface="Segoe UI" panose="020B0502040204020203" pitchFamily="34" charset="0"/>
+              </a:rPr>
+              <a:t> et glisser la mesure </a:t>
+            </a:r>
+            <a:r>
+              <a:rPr lang="fr-FR" b="1" dirty="0" smtClean="0">
+                <a:latin typeface="Segoe UI" panose="020B0502040204020203" pitchFamily="34" charset="0"/>
+                <a:cs typeface="Segoe UI" panose="020B0502040204020203" pitchFamily="34" charset="0"/>
+              </a:rPr>
+              <a:t>Total </a:t>
+            </a:r>
+            <a:r>
+              <a:rPr lang="fr-FR" b="1" dirty="0" err="1" smtClean="0">
+                <a:latin typeface="Segoe UI" panose="020B0502040204020203" pitchFamily="34" charset="0"/>
+                <a:cs typeface="Segoe UI" panose="020B0502040204020203" pitchFamily="34" charset="0"/>
+              </a:rPr>
+              <a:t>Amount</a:t>
+            </a:r>
+            <a:r>
+              <a:rPr lang="fr-FR" b="1" dirty="0" smtClean="0">
+                <a:latin typeface="Segoe UI" panose="020B0502040204020203" pitchFamily="34" charset="0"/>
+                <a:cs typeface="Segoe UI" panose="020B0502040204020203" pitchFamily="34" charset="0"/>
+              </a:rPr>
+              <a:t> </a:t>
+            </a:r>
+            <a:r>
+              <a:rPr lang="fr-FR" dirty="0" smtClean="0">
+                <a:latin typeface="Segoe UI" panose="020B0502040204020203" pitchFamily="34" charset="0"/>
+                <a:cs typeface="Segoe UI" panose="020B0502040204020203" pitchFamily="34" charset="0"/>
+              </a:rPr>
+              <a:t>au niveau de la zone </a:t>
+            </a:r>
+            <a:r>
+              <a:rPr lang="fr-FR" b="1" dirty="0" smtClean="0">
+                <a:latin typeface="Segoe UI" panose="020B0502040204020203" pitchFamily="34" charset="0"/>
+                <a:cs typeface="Segoe UI" panose="020B0502040204020203" pitchFamily="34" charset="0"/>
+              </a:rPr>
+              <a:t>Fields</a:t>
+            </a:r>
+            <a:endParaRPr lang="en-US" b="1" dirty="0">
+              <a:latin typeface="Segoe UI" panose="020B0502040204020203" pitchFamily="34" charset="0"/>
+              <a:cs typeface="Segoe UI" panose="020B0502040204020203" pitchFamily="34" charset="0"/>
+            </a:endParaRPr>
+          </a:p>
+        </p:txBody>
+      </p:sp>
+      <p:pic>
+        <p:nvPicPr>
+          <p:cNvPr id="4" name="Picture 3"/>
+          <p:cNvPicPr>
+            <a:picLocks noChangeAspect="1"/>
+          </p:cNvPicPr>
+          <p:nvPr/>
+        </p:nvPicPr>
+        <p:blipFill>
+          <a:blip r:embed="rId3"/>
+          <a:stretch>
+            <a:fillRect/>
+          </a:stretch>
+        </p:blipFill>
+        <p:spPr>
+          <a:xfrm>
+            <a:off x="2426678" y="1318144"/>
+            <a:ext cx="2028444" cy="1949560"/>
+          </a:xfrm>
+          <a:prstGeom prst="rect">
+            <a:avLst/>
+          </a:prstGeom>
+        </p:spPr>
+      </p:pic>
+      <p:pic>
+        <p:nvPicPr>
+          <p:cNvPr id="5" name="Picture 4"/>
+          <p:cNvPicPr>
+            <a:picLocks noChangeAspect="1"/>
+          </p:cNvPicPr>
+          <p:nvPr/>
+        </p:nvPicPr>
+        <p:blipFill>
+          <a:blip r:embed="rId4"/>
+          <a:stretch>
+            <a:fillRect/>
+          </a:stretch>
+        </p:blipFill>
+        <p:spPr>
+          <a:xfrm>
+            <a:off x="430223" y="1318144"/>
+            <a:ext cx="1733792" cy="1952898"/>
+          </a:xfrm>
+          <a:prstGeom prst="rect">
+            <a:avLst/>
+          </a:prstGeom>
+        </p:spPr>
+      </p:pic>
+    </p:spTree>
+    <p:extLst>
+      <p:ext uri="{BB962C8B-B14F-4D97-AF65-F5344CB8AC3E}">
+        <p14:creationId xmlns:p14="http://schemas.microsoft.com/office/powerpoint/2010/main" val="2241446832"/>
+      </p:ext>
+    </p:extLst>
+  </p:cSld>
+  <p:clrMapOvr>
+    <a:masterClrMapping/>
+  </p:clrMapOvr>
+</p:sld>
+</file>
+
+<file path=ppt/slides/slide9.xml><?xml version="1.0" encoding="utf-8"?>
+<p:sld xmlns:a="http://schemas.openxmlformats.org/drawingml/2006/main" xmlns:r="http://schemas.openxmlformats.org/officeDocument/2006/relationships" xmlns:p="http://schemas.openxmlformats.org/presentationml/2006/main">
+  <p:cSld>
+    <p:spTree>
+      <p:nvGrpSpPr>
+        <p:cNvPr id="1" name=""/>
+        <p:cNvGrpSpPr/>
+        <p:nvPr/>
+      </p:nvGrpSpPr>
+      <p:grpSpPr>
+        <a:xfrm>
+          <a:off x="0" y="0"/>
+          <a:ext cx="0" cy="0"/>
+          <a:chOff x="0" y="0"/>
+          <a:chExt cx="0" cy="0"/>
+        </a:xfrm>
+      </p:grpSpPr>
+      <p:sp>
+        <p:nvSpPr>
+          <p:cNvPr id="2" name="TextBox 1"/>
           <p:cNvSpPr txBox="1"/>
           <p:nvPr/>
         </p:nvSpPr>
         <p:spPr>
           <a:xfrm>
-            <a:off x="2990336" y="2217861"/>
-            <a:ext cx="6230360" cy="1569660"/>
+            <a:off x="237325" y="174503"/>
+            <a:ext cx="4590103" cy="461665"/>
           </a:xfrm>
           <a:prstGeom prst="rect">
             <a:avLst/>
@@ -5701,31 +6393,110 @@
           <a:lstStyle/>
           <a:p>
             <a:r>
-              <a:rPr lang="en-US" sz="9600" b="1" dirty="0" smtClean="0">
-                <a:solidFill>
-                  <a:schemeClr val="bg1"/>
-                </a:solidFill>
-                <a:latin typeface="Segoe UI" panose="020B0502040204020203" pitchFamily="34" charset="0"/>
-                <a:ea typeface="Verdana" panose="020B0604030504040204" pitchFamily="34" charset="0"/>
-                <a:cs typeface="Segoe UI" panose="020B0502040204020203" pitchFamily="34" charset="0"/>
-              </a:rPr>
-              <a:t>Thank you</a:t>
-            </a:r>
-            <a:endParaRPr lang="en-US" sz="9600" b="1" dirty="0">
-              <a:solidFill>
-                <a:schemeClr val="bg1"/>
-              </a:solidFill>
+              <a:rPr lang="en-US" sz="2400" b="1" dirty="0" err="1" smtClean="0">
+                <a:latin typeface="Segoe UI" panose="020B0502040204020203" pitchFamily="34" charset="0"/>
+                <a:cs typeface="Segoe UI" panose="020B0502040204020203" pitchFamily="34" charset="0"/>
+              </a:rPr>
+              <a:t>Mesures</a:t>
+            </a:r>
+            <a:r>
+              <a:rPr lang="en-US" sz="2400" b="1" dirty="0" smtClean="0">
+                <a:latin typeface="Segoe UI" panose="020B0502040204020203" pitchFamily="34" charset="0"/>
+                <a:cs typeface="Segoe UI" panose="020B0502040204020203" pitchFamily="34" charset="0"/>
+              </a:rPr>
+              <a:t> et </a:t>
+            </a:r>
+            <a:r>
+              <a:rPr lang="en-US" sz="2400" b="1" dirty="0" err="1" smtClean="0">
+                <a:latin typeface="Segoe UI" panose="020B0502040204020203" pitchFamily="34" charset="0"/>
+                <a:cs typeface="Segoe UI" panose="020B0502040204020203" pitchFamily="34" charset="0"/>
+              </a:rPr>
+              <a:t>colonnes</a:t>
+            </a:r>
+            <a:r>
+              <a:rPr lang="en-US" sz="2400" b="1" dirty="0" smtClean="0">
+                <a:latin typeface="Segoe UI" panose="020B0502040204020203" pitchFamily="34" charset="0"/>
+                <a:cs typeface="Segoe UI" panose="020B0502040204020203" pitchFamily="34" charset="0"/>
+              </a:rPr>
+              <a:t>  </a:t>
+            </a:r>
+            <a:r>
+              <a:rPr lang="en-US" sz="2400" b="1" dirty="0" err="1" smtClean="0">
+                <a:latin typeface="Segoe UI" panose="020B0502040204020203" pitchFamily="34" charset="0"/>
+                <a:cs typeface="Segoe UI" panose="020B0502040204020203" pitchFamily="34" charset="0"/>
+              </a:rPr>
+              <a:t>calculées</a:t>
+            </a:r>
+            <a:endParaRPr lang="en-US" sz="2400" b="1" dirty="0">
               <a:latin typeface="Segoe UI" panose="020B0502040204020203" pitchFamily="34" charset="0"/>
-              <a:ea typeface="Verdana" panose="020B0604030504040204" pitchFamily="34" charset="0"/>
               <a:cs typeface="Segoe UI" panose="020B0502040204020203" pitchFamily="34" charset="0"/>
             </a:endParaRPr>
           </a:p>
         </p:txBody>
       </p:sp>
+      <p:sp>
+        <p:nvSpPr>
+          <p:cNvPr id="8" name="Rectangle 7"/>
+          <p:cNvSpPr/>
+          <p:nvPr/>
+        </p:nvSpPr>
+        <p:spPr>
+          <a:xfrm>
+            <a:off x="292327" y="752185"/>
+            <a:ext cx="11684251" cy="369332"/>
+          </a:xfrm>
+          <a:prstGeom prst="rect">
+            <a:avLst/>
+          </a:prstGeom>
+        </p:spPr>
+        <p:txBody>
+          <a:bodyPr wrap="square">
+            <a:spAutoFit/>
+          </a:bodyPr>
+          <a:lstStyle/>
+          <a:p>
+            <a:r>
+              <a:rPr lang="fr-FR" dirty="0" smtClean="0">
+                <a:latin typeface="Segoe UI" panose="020B0502040204020203" pitchFamily="34" charset="0"/>
+                <a:cs typeface="Segoe UI" panose="020B0502040204020203" pitchFamily="34" charset="0"/>
+              </a:rPr>
+              <a:t>Observez le résultat </a:t>
+            </a:r>
+            <a:endParaRPr lang="en-US" b="1" dirty="0">
+              <a:latin typeface="Segoe UI" panose="020B0502040204020203" pitchFamily="34" charset="0"/>
+              <a:cs typeface="Segoe UI" panose="020B0502040204020203" pitchFamily="34" charset="0"/>
+            </a:endParaRPr>
+          </a:p>
+        </p:txBody>
+      </p:sp>
+      <p:pic>
+        <p:nvPicPr>
+          <p:cNvPr id="3" name="Picture 2"/>
+          <p:cNvPicPr>
+            <a:picLocks noChangeAspect="1"/>
+          </p:cNvPicPr>
+          <p:nvPr/>
+        </p:nvPicPr>
+        <p:blipFill>
+          <a:blip r:embed="rId3"/>
+          <a:stretch>
+            <a:fillRect/>
+          </a:stretch>
+        </p:blipFill>
+        <p:spPr>
+          <a:xfrm>
+            <a:off x="292327" y="1237534"/>
+            <a:ext cx="7125694" cy="4124901"/>
+          </a:xfrm>
+          <a:prstGeom prst="rect">
+            <a:avLst/>
+          </a:prstGeom>
+        </p:spPr>
+      </p:pic>
     </p:spTree>
     <p:extLst>
       <p:ext uri="{BB962C8B-B14F-4D97-AF65-F5344CB8AC3E}">
-        <p14:creationId xmlns:p14="http://schemas.microsoft.com/office/powerpoint/2010/main" val="3494127604"/>
+        <p14:creationId xmlns:p14="http://schemas.microsoft.com/office/powerpoint/2010/main" val="406299430"/>
       </p:ext>
     </p:extLst>
   </p:cSld>
